--- a/krisztianerdei/erdeiKrisztián 0.01.pptx
+++ b/krisztianerdei/erdeiKrisztián 0.01.pptx
@@ -4,13 +4,16 @@
   <p:sldMasterIdLst>
     <p:sldMasterId id="2147483660" r:id="rId1"/>
   </p:sldMasterIdLst>
+  <p:notesMasterIdLst>
+    <p:notesMasterId r:id="rId10"/>
+  </p:notesMasterIdLst>
   <p:sldIdLst>
     <p:sldId id="257" r:id="rId2"/>
     <p:sldId id="256" r:id="rId3"/>
     <p:sldId id="259" r:id="rId4"/>
-    <p:sldId id="261" r:id="rId5"/>
+    <p:sldId id="260" r:id="rId5"/>
     <p:sldId id="264" r:id="rId6"/>
-    <p:sldId id="260" r:id="rId7"/>
+    <p:sldId id="261" r:id="rId7"/>
     <p:sldId id="263" r:id="rId8"/>
     <p:sldId id="258" r:id="rId9"/>
   </p:sldIdLst>
@@ -113,7 +116,7 @@
   </p:defaultTextStyle>
   <p:extLst>
     <p:ext uri="{EFAFB233-063F-42B5-8137-9DF3F51BA10A}">
-      <p15:sldGuideLst xmlns="" xmlns:p15="http://schemas.microsoft.com/office/powerpoint/2012/main">
+      <p15:sldGuideLst xmlns:p15="http://schemas.microsoft.com/office/powerpoint/2012/main">
         <p15:guide id="1" orient="horz" pos="1620">
           <p15:clr>
             <a:srgbClr val="A4A3A4"/>
@@ -128,6 +131,1241 @@
     </p:ext>
   </p:extLst>
 </p:presentation>
+</file>
+
+<file path=ppt/notesMasters/notesMaster1.xml><?xml version="1.0" encoding="utf-8"?>
+<p:notesMaster xmlns:a="http://schemas.openxmlformats.org/drawingml/2006/main" xmlns:r="http://schemas.openxmlformats.org/officeDocument/2006/relationships" xmlns:p="http://schemas.openxmlformats.org/presentationml/2006/main">
+  <p:cSld>
+    <p:bg>
+      <p:bgRef idx="1001">
+        <a:schemeClr val="bg1"/>
+      </p:bgRef>
+    </p:bg>
+    <p:spTree>
+      <p:nvGrpSpPr>
+        <p:cNvPr id="1" name=""/>
+        <p:cNvGrpSpPr/>
+        <p:nvPr/>
+      </p:nvGrpSpPr>
+      <p:grpSpPr>
+        <a:xfrm>
+          <a:off x="0" y="0"/>
+          <a:ext cx="0" cy="0"/>
+          <a:chOff x="0" y="0"/>
+          <a:chExt cx="0" cy="0"/>
+        </a:xfrm>
+      </p:grpSpPr>
+      <p:sp>
+        <p:nvSpPr>
+          <p:cNvPr id="2" name="Élőfej helye 1"/>
+          <p:cNvSpPr>
+            <a:spLocks noGrp="1"/>
+          </p:cNvSpPr>
+          <p:nvPr>
+            <p:ph type="hdr" sz="quarter"/>
+          </p:nvPr>
+        </p:nvSpPr>
+        <p:spPr>
+          <a:xfrm>
+            <a:off x="0" y="0"/>
+            <a:ext cx="2971800" cy="458788"/>
+          </a:xfrm>
+          <a:prstGeom prst="rect">
+            <a:avLst/>
+          </a:prstGeom>
+        </p:spPr>
+        <p:txBody>
+          <a:bodyPr vert="horz" lIns="91440" tIns="45720" rIns="91440" bIns="45720" rtlCol="0"/>
+          <a:lstStyle>
+            <a:lvl1pPr algn="l">
+              <a:defRPr sz="1200"/>
+            </a:lvl1pPr>
+          </a:lstStyle>
+          <a:p>
+            <a:endParaRPr lang="hu-HU"/>
+          </a:p>
+        </p:txBody>
+      </p:sp>
+      <p:sp>
+        <p:nvSpPr>
+          <p:cNvPr id="3" name="Dátum helye 2"/>
+          <p:cNvSpPr>
+            <a:spLocks noGrp="1"/>
+          </p:cNvSpPr>
+          <p:nvPr>
+            <p:ph type="dt" idx="1"/>
+          </p:nvPr>
+        </p:nvSpPr>
+        <p:spPr>
+          <a:xfrm>
+            <a:off x="3884613" y="0"/>
+            <a:ext cx="2971800" cy="458788"/>
+          </a:xfrm>
+          <a:prstGeom prst="rect">
+            <a:avLst/>
+          </a:prstGeom>
+        </p:spPr>
+        <p:txBody>
+          <a:bodyPr vert="horz" lIns="91440" tIns="45720" rIns="91440" bIns="45720" rtlCol="0"/>
+          <a:lstStyle>
+            <a:lvl1pPr algn="r">
+              <a:defRPr sz="1200"/>
+            </a:lvl1pPr>
+          </a:lstStyle>
+          <a:p>
+            <a:fld id="{A52E46BD-B5F1-427D-8E29-1252C689EDAF}" type="datetimeFigureOut">
+              <a:rPr lang="hu-HU" smtClean="0"/>
+              <a:t>2016.05.19.</a:t>
+            </a:fld>
+            <a:endParaRPr lang="hu-HU"/>
+          </a:p>
+        </p:txBody>
+      </p:sp>
+      <p:sp>
+        <p:nvSpPr>
+          <p:cNvPr id="4" name="Diakép helye 3"/>
+          <p:cNvSpPr>
+            <a:spLocks noGrp="1" noRot="1" noChangeAspect="1"/>
+          </p:cNvSpPr>
+          <p:nvPr>
+            <p:ph type="sldImg" idx="2"/>
+          </p:nvPr>
+        </p:nvSpPr>
+        <p:spPr>
+          <a:xfrm>
+            <a:off x="685800" y="1143000"/>
+            <a:ext cx="5486400" cy="3086100"/>
+          </a:xfrm>
+          <a:prstGeom prst="rect">
+            <a:avLst/>
+          </a:prstGeom>
+          <a:noFill/>
+          <a:ln w="12700">
+            <a:solidFill>
+              <a:prstClr val="black"/>
+            </a:solidFill>
+          </a:ln>
+        </p:spPr>
+        <p:txBody>
+          <a:bodyPr vert="horz" lIns="91440" tIns="45720" rIns="91440" bIns="45720" rtlCol="0" anchor="ctr"/>
+          <a:lstStyle/>
+          <a:p>
+            <a:endParaRPr lang="hu-HU"/>
+          </a:p>
+        </p:txBody>
+      </p:sp>
+      <p:sp>
+        <p:nvSpPr>
+          <p:cNvPr id="5" name="Jegyzetek helye 4"/>
+          <p:cNvSpPr>
+            <a:spLocks noGrp="1"/>
+          </p:cNvSpPr>
+          <p:nvPr>
+            <p:ph type="body" sz="quarter" idx="3"/>
+          </p:nvPr>
+        </p:nvSpPr>
+        <p:spPr>
+          <a:xfrm>
+            <a:off x="685800" y="4400550"/>
+            <a:ext cx="5486400" cy="3600450"/>
+          </a:xfrm>
+          <a:prstGeom prst="rect">
+            <a:avLst/>
+          </a:prstGeom>
+        </p:spPr>
+        <p:txBody>
+          <a:bodyPr vert="horz" lIns="91440" tIns="45720" rIns="91440" bIns="45720" rtlCol="0"/>
+          <a:lstStyle/>
+          <a:p>
+            <a:pPr lvl="0"/>
+            <a:r>
+              <a:rPr lang="hu-HU" smtClean="0"/>
+              <a:t>Mintaszöveg szerkesztése</a:t>
+            </a:r>
+          </a:p>
+          <a:p>
+            <a:pPr lvl="1"/>
+            <a:r>
+              <a:rPr lang="hu-HU" smtClean="0"/>
+              <a:t>Második szint</a:t>
+            </a:r>
+          </a:p>
+          <a:p>
+            <a:pPr lvl="2"/>
+            <a:r>
+              <a:rPr lang="hu-HU" smtClean="0"/>
+              <a:t>Harmadik szint</a:t>
+            </a:r>
+          </a:p>
+          <a:p>
+            <a:pPr lvl="3"/>
+            <a:r>
+              <a:rPr lang="hu-HU" smtClean="0"/>
+              <a:t>Negyedik szint</a:t>
+            </a:r>
+          </a:p>
+          <a:p>
+            <a:pPr lvl="4"/>
+            <a:r>
+              <a:rPr lang="hu-HU" smtClean="0"/>
+              <a:t>Ötödik szint</a:t>
+            </a:r>
+            <a:endParaRPr lang="hu-HU"/>
+          </a:p>
+        </p:txBody>
+      </p:sp>
+      <p:sp>
+        <p:nvSpPr>
+          <p:cNvPr id="6" name="Élőláb helye 5"/>
+          <p:cNvSpPr>
+            <a:spLocks noGrp="1"/>
+          </p:cNvSpPr>
+          <p:nvPr>
+            <p:ph type="ftr" sz="quarter" idx="4"/>
+          </p:nvPr>
+        </p:nvSpPr>
+        <p:spPr>
+          <a:xfrm>
+            <a:off x="0" y="8685213"/>
+            <a:ext cx="2971800" cy="458787"/>
+          </a:xfrm>
+          <a:prstGeom prst="rect">
+            <a:avLst/>
+          </a:prstGeom>
+        </p:spPr>
+        <p:txBody>
+          <a:bodyPr vert="horz" lIns="91440" tIns="45720" rIns="91440" bIns="45720" rtlCol="0" anchor="b"/>
+          <a:lstStyle>
+            <a:lvl1pPr algn="l">
+              <a:defRPr sz="1200"/>
+            </a:lvl1pPr>
+          </a:lstStyle>
+          <a:p>
+            <a:endParaRPr lang="hu-HU"/>
+          </a:p>
+        </p:txBody>
+      </p:sp>
+      <p:sp>
+        <p:nvSpPr>
+          <p:cNvPr id="7" name="Dia számának helye 6"/>
+          <p:cNvSpPr>
+            <a:spLocks noGrp="1"/>
+          </p:cNvSpPr>
+          <p:nvPr>
+            <p:ph type="sldNum" sz="quarter" idx="5"/>
+          </p:nvPr>
+        </p:nvSpPr>
+        <p:spPr>
+          <a:xfrm>
+            <a:off x="3884613" y="8685213"/>
+            <a:ext cx="2971800" cy="458787"/>
+          </a:xfrm>
+          <a:prstGeom prst="rect">
+            <a:avLst/>
+          </a:prstGeom>
+        </p:spPr>
+        <p:txBody>
+          <a:bodyPr vert="horz" lIns="91440" tIns="45720" rIns="91440" bIns="45720" rtlCol="0" anchor="b"/>
+          <a:lstStyle>
+            <a:lvl1pPr algn="r">
+              <a:defRPr sz="1200"/>
+            </a:lvl1pPr>
+          </a:lstStyle>
+          <a:p>
+            <a:fld id="{C82E7805-5C84-4A96-8C5B-CCD43CD4F7A0}" type="slidenum">
+              <a:rPr lang="hu-HU" smtClean="0"/>
+              <a:t>‹#›</a:t>
+            </a:fld>
+            <a:endParaRPr lang="hu-HU"/>
+          </a:p>
+        </p:txBody>
+      </p:sp>
+    </p:spTree>
+    <p:extLst>
+      <p:ext uri="{BB962C8B-B14F-4D97-AF65-F5344CB8AC3E}">
+        <p14:creationId xmlns:p14="http://schemas.microsoft.com/office/powerpoint/2010/main" val="3413204605"/>
+      </p:ext>
+    </p:extLst>
+  </p:cSld>
+  <p:clrMap bg1="lt1" tx1="dk1" bg2="lt2" tx2="dk2" accent1="accent1" accent2="accent2" accent3="accent3" accent4="accent4" accent5="accent5" accent6="accent6" hlink="hlink" folHlink="folHlink"/>
+  <p:notesStyle>
+    <a:lvl1pPr marL="0" algn="l" defTabSz="914400" rtl="0" eaLnBrk="1" latinLnBrk="0" hangingPunct="1">
+      <a:defRPr sz="1200" kern="1200">
+        <a:solidFill>
+          <a:schemeClr val="tx1"/>
+        </a:solidFill>
+        <a:latin typeface="+mn-lt"/>
+        <a:ea typeface="+mn-ea"/>
+        <a:cs typeface="+mn-cs"/>
+      </a:defRPr>
+    </a:lvl1pPr>
+    <a:lvl2pPr marL="457200" algn="l" defTabSz="914400" rtl="0" eaLnBrk="1" latinLnBrk="0" hangingPunct="1">
+      <a:defRPr sz="1200" kern="1200">
+        <a:solidFill>
+          <a:schemeClr val="tx1"/>
+        </a:solidFill>
+        <a:latin typeface="+mn-lt"/>
+        <a:ea typeface="+mn-ea"/>
+        <a:cs typeface="+mn-cs"/>
+      </a:defRPr>
+    </a:lvl2pPr>
+    <a:lvl3pPr marL="914400" algn="l" defTabSz="914400" rtl="0" eaLnBrk="1" latinLnBrk="0" hangingPunct="1">
+      <a:defRPr sz="1200" kern="1200">
+        <a:solidFill>
+          <a:schemeClr val="tx1"/>
+        </a:solidFill>
+        <a:latin typeface="+mn-lt"/>
+        <a:ea typeface="+mn-ea"/>
+        <a:cs typeface="+mn-cs"/>
+      </a:defRPr>
+    </a:lvl3pPr>
+    <a:lvl4pPr marL="1371600" algn="l" defTabSz="914400" rtl="0" eaLnBrk="1" latinLnBrk="0" hangingPunct="1">
+      <a:defRPr sz="1200" kern="1200">
+        <a:solidFill>
+          <a:schemeClr val="tx1"/>
+        </a:solidFill>
+        <a:latin typeface="+mn-lt"/>
+        <a:ea typeface="+mn-ea"/>
+        <a:cs typeface="+mn-cs"/>
+      </a:defRPr>
+    </a:lvl4pPr>
+    <a:lvl5pPr marL="1828800" algn="l" defTabSz="914400" rtl="0" eaLnBrk="1" latinLnBrk="0" hangingPunct="1">
+      <a:defRPr sz="1200" kern="1200">
+        <a:solidFill>
+          <a:schemeClr val="tx1"/>
+        </a:solidFill>
+        <a:latin typeface="+mn-lt"/>
+        <a:ea typeface="+mn-ea"/>
+        <a:cs typeface="+mn-cs"/>
+      </a:defRPr>
+    </a:lvl5pPr>
+    <a:lvl6pPr marL="2286000" algn="l" defTabSz="914400" rtl="0" eaLnBrk="1" latinLnBrk="0" hangingPunct="1">
+      <a:defRPr sz="1200" kern="1200">
+        <a:solidFill>
+          <a:schemeClr val="tx1"/>
+        </a:solidFill>
+        <a:latin typeface="+mn-lt"/>
+        <a:ea typeface="+mn-ea"/>
+        <a:cs typeface="+mn-cs"/>
+      </a:defRPr>
+    </a:lvl6pPr>
+    <a:lvl7pPr marL="2743200" algn="l" defTabSz="914400" rtl="0" eaLnBrk="1" latinLnBrk="0" hangingPunct="1">
+      <a:defRPr sz="1200" kern="1200">
+        <a:solidFill>
+          <a:schemeClr val="tx1"/>
+        </a:solidFill>
+        <a:latin typeface="+mn-lt"/>
+        <a:ea typeface="+mn-ea"/>
+        <a:cs typeface="+mn-cs"/>
+      </a:defRPr>
+    </a:lvl7pPr>
+    <a:lvl8pPr marL="3200400" algn="l" defTabSz="914400" rtl="0" eaLnBrk="1" latinLnBrk="0" hangingPunct="1">
+      <a:defRPr sz="1200" kern="1200">
+        <a:solidFill>
+          <a:schemeClr val="tx1"/>
+        </a:solidFill>
+        <a:latin typeface="+mn-lt"/>
+        <a:ea typeface="+mn-ea"/>
+        <a:cs typeface="+mn-cs"/>
+      </a:defRPr>
+    </a:lvl8pPr>
+    <a:lvl9pPr marL="3657600" algn="l" defTabSz="914400" rtl="0" eaLnBrk="1" latinLnBrk="0" hangingPunct="1">
+      <a:defRPr sz="1200" kern="1200">
+        <a:solidFill>
+          <a:schemeClr val="tx1"/>
+        </a:solidFill>
+        <a:latin typeface="+mn-lt"/>
+        <a:ea typeface="+mn-ea"/>
+        <a:cs typeface="+mn-cs"/>
+      </a:defRPr>
+    </a:lvl9pPr>
+  </p:notesStyle>
+</p:notesMaster>
+</file>
+
+<file path=ppt/notesSlides/notesSlide1.xml><?xml version="1.0" encoding="utf-8"?>
+<p:notes xmlns:a="http://schemas.openxmlformats.org/drawingml/2006/main" xmlns:r="http://schemas.openxmlformats.org/officeDocument/2006/relationships" xmlns:p="http://schemas.openxmlformats.org/presentationml/2006/main">
+  <p:cSld>
+    <p:spTree>
+      <p:nvGrpSpPr>
+        <p:cNvPr id="1" name=""/>
+        <p:cNvGrpSpPr/>
+        <p:nvPr/>
+      </p:nvGrpSpPr>
+      <p:grpSpPr>
+        <a:xfrm>
+          <a:off x="0" y="0"/>
+          <a:ext cx="0" cy="0"/>
+          <a:chOff x="0" y="0"/>
+          <a:chExt cx="0" cy="0"/>
+        </a:xfrm>
+      </p:grpSpPr>
+      <p:sp>
+        <p:nvSpPr>
+          <p:cNvPr id="2" name="Diakép helye 1"/>
+          <p:cNvSpPr>
+            <a:spLocks noGrp="1" noRot="1" noChangeAspect="1"/>
+          </p:cNvSpPr>
+          <p:nvPr>
+            <p:ph type="sldImg"/>
+          </p:nvPr>
+        </p:nvSpPr>
+        <p:spPr/>
+      </p:sp>
+      <p:sp>
+        <p:nvSpPr>
+          <p:cNvPr id="3" name="Jegyzetek helye 2"/>
+          <p:cNvSpPr>
+            <a:spLocks noGrp="1"/>
+          </p:cNvSpPr>
+          <p:nvPr>
+            <p:ph type="body" idx="1"/>
+          </p:nvPr>
+        </p:nvSpPr>
+        <p:spPr/>
+        <p:txBody>
+          <a:bodyPr/>
+          <a:lstStyle/>
+          <a:p>
+            <a:r>
+              <a:rPr lang="hu-HU" dirty="0" smtClean="0"/>
+              <a:t>Üdvözlök</a:t>
+            </a:r>
+            <a:r>
+              <a:rPr lang="hu-HU" baseline="0" dirty="0" smtClean="0"/>
+              <a:t> minden tisztelt jelenlévőt, Erdei Krisztián vagyok a Debreceni egyetem programtervező informatikus szak-</a:t>
+            </a:r>
+            <a:r>
+              <a:rPr lang="hu-HU" baseline="0" dirty="0" err="1" smtClean="0"/>
+              <a:t>ának</a:t>
+            </a:r>
+            <a:r>
+              <a:rPr lang="hu-HU" baseline="0" dirty="0" smtClean="0"/>
+              <a:t> aktív hallgatója én is mint az előttem szóló a teszt modul !keretein belül fejlesztetettem.!</a:t>
+            </a:r>
+            <a:endParaRPr lang="hu-HU" dirty="0"/>
+          </a:p>
+        </p:txBody>
+      </p:sp>
+      <p:sp>
+        <p:nvSpPr>
+          <p:cNvPr id="4" name="Dia számának helye 3"/>
+          <p:cNvSpPr>
+            <a:spLocks noGrp="1"/>
+          </p:cNvSpPr>
+          <p:nvPr>
+            <p:ph type="sldNum" sz="quarter" idx="10"/>
+          </p:nvPr>
+        </p:nvSpPr>
+        <p:spPr/>
+        <p:txBody>
+          <a:bodyPr/>
+          <a:lstStyle/>
+          <a:p>
+            <a:fld id="{C82E7805-5C84-4A96-8C5B-CCD43CD4F7A0}" type="slidenum">
+              <a:rPr lang="hu-HU" smtClean="0"/>
+              <a:t>2</a:t>
+            </a:fld>
+            <a:endParaRPr lang="hu-HU"/>
+          </a:p>
+        </p:txBody>
+      </p:sp>
+    </p:spTree>
+    <p:extLst>
+      <p:ext uri="{BB962C8B-B14F-4D97-AF65-F5344CB8AC3E}">
+        <p14:creationId xmlns:p14="http://schemas.microsoft.com/office/powerpoint/2010/main" val="3867908628"/>
+      </p:ext>
+    </p:extLst>
+  </p:cSld>
+  <p:clrMapOvr>
+    <a:masterClrMapping/>
+  </p:clrMapOvr>
+</p:notes>
+</file>
+
+<file path=ppt/notesSlides/notesSlide2.xml><?xml version="1.0" encoding="utf-8"?>
+<p:notes xmlns:a="http://schemas.openxmlformats.org/drawingml/2006/main" xmlns:r="http://schemas.openxmlformats.org/officeDocument/2006/relationships" xmlns:p="http://schemas.openxmlformats.org/presentationml/2006/main">
+  <p:cSld>
+    <p:spTree>
+      <p:nvGrpSpPr>
+        <p:cNvPr id="1" name=""/>
+        <p:cNvGrpSpPr/>
+        <p:nvPr/>
+      </p:nvGrpSpPr>
+      <p:grpSpPr>
+        <a:xfrm>
+          <a:off x="0" y="0"/>
+          <a:ext cx="0" cy="0"/>
+          <a:chOff x="0" y="0"/>
+          <a:chExt cx="0" cy="0"/>
+        </a:xfrm>
+      </p:grpSpPr>
+      <p:sp>
+        <p:nvSpPr>
+          <p:cNvPr id="2" name="Diakép helye 1"/>
+          <p:cNvSpPr>
+            <a:spLocks noGrp="1" noRot="1" noChangeAspect="1"/>
+          </p:cNvSpPr>
+          <p:nvPr>
+            <p:ph type="sldImg"/>
+          </p:nvPr>
+        </p:nvSpPr>
+        <p:spPr/>
+      </p:sp>
+      <p:sp>
+        <p:nvSpPr>
+          <p:cNvPr id="3" name="Jegyzetek helye 2"/>
+          <p:cNvSpPr>
+            <a:spLocks noGrp="1"/>
+          </p:cNvSpPr>
+          <p:nvPr>
+            <p:ph type="body" idx="1"/>
+          </p:nvPr>
+        </p:nvSpPr>
+        <p:spPr/>
+        <p:txBody>
+          <a:bodyPr/>
+          <a:lstStyle/>
+          <a:p>
+            <a:pPr marL="0" marR="0" indent="0" algn="l" defTabSz="914400" rtl="0" eaLnBrk="1" fontAlgn="auto" latinLnBrk="0" hangingPunct="1">
+              <a:lnSpc>
+                <a:spcPct val="100000"/>
+              </a:lnSpc>
+              <a:spcBef>
+                <a:spcPts val="0"/>
+              </a:spcBef>
+              <a:spcAft>
+                <a:spcPts val="0"/>
+              </a:spcAft>
+              <a:buClrTx/>
+              <a:buSzTx/>
+              <a:buFontTx/>
+              <a:buNone/>
+              <a:tabLst/>
+              <a:defRPr/>
+            </a:pPr>
+            <a:r>
+              <a:rPr lang="hu-HU" dirty="0" smtClean="0"/>
+              <a:t>Előszőr</a:t>
+            </a:r>
+            <a:r>
+              <a:rPr lang="hu-HU" baseline="0" dirty="0" smtClean="0"/>
+              <a:t> is arról szeretnék beszélni hogy ez a képzés </a:t>
+            </a:r>
+            <a:r>
+              <a:rPr lang="hu-HU" baseline="0" dirty="0" smtClean="0">
+                <a:solidFill>
+                  <a:srgbClr val="FF0000"/>
+                </a:solidFill>
+              </a:rPr>
+              <a:t>lehetőséget adott arra hogy a projekt keretein belül csapatba dolgozzak. Szerencsésnek mondhatom magam hogy Gáborral és Attilával kerültem egy csapatba, úgy gondolom hogy könnyen alkalmazkodó típusúak vagyunk </a:t>
+            </a:r>
+            <a:r>
+              <a:rPr lang="hu-HU" baseline="0" dirty="0" err="1" smtClean="0">
+                <a:solidFill>
+                  <a:srgbClr val="FF0000"/>
+                </a:solidFill>
+              </a:rPr>
+              <a:t>ahoz</a:t>
+            </a:r>
+            <a:r>
+              <a:rPr lang="hu-HU" baseline="0" dirty="0" smtClean="0">
+                <a:solidFill>
+                  <a:srgbClr val="FF0000"/>
+                </a:solidFill>
+              </a:rPr>
+              <a:t> hogy egy csapatban közösen dolgozzunk. Nagyban befolyásolta a munkamorált az hogy Farkas László már a legelején összekovácsolta a csapatot, így később gördülékenyebben tudtuk végezni a feladatainkat. Fontosnak tartom azt is hogy a munka során feszültség mentes legyen a kommunikáció a társaim között. Ezzel a projektmunka során nem is volt probléma így az egymástól függő feladatokat összehangoltan tudtuk kivitelezni.</a:t>
+            </a:r>
+            <a:endParaRPr lang="hu-HU" dirty="0">
+              <a:solidFill>
+                <a:srgbClr val="FF0000"/>
+              </a:solidFill>
+            </a:endParaRPr>
+          </a:p>
+        </p:txBody>
+      </p:sp>
+      <p:sp>
+        <p:nvSpPr>
+          <p:cNvPr id="4" name="Dia számának helye 3"/>
+          <p:cNvSpPr>
+            <a:spLocks noGrp="1"/>
+          </p:cNvSpPr>
+          <p:nvPr>
+            <p:ph type="sldNum" sz="quarter" idx="10"/>
+          </p:nvPr>
+        </p:nvSpPr>
+        <p:spPr/>
+        <p:txBody>
+          <a:bodyPr/>
+          <a:lstStyle/>
+          <a:p>
+            <a:fld id="{C82E7805-5C84-4A96-8C5B-CCD43CD4F7A0}" type="slidenum">
+              <a:rPr lang="hu-HU" smtClean="0"/>
+              <a:t>3</a:t>
+            </a:fld>
+            <a:endParaRPr lang="hu-HU"/>
+          </a:p>
+        </p:txBody>
+      </p:sp>
+    </p:spTree>
+    <p:extLst>
+      <p:ext uri="{BB962C8B-B14F-4D97-AF65-F5344CB8AC3E}">
+        <p14:creationId xmlns:p14="http://schemas.microsoft.com/office/powerpoint/2010/main" val="2454170942"/>
+      </p:ext>
+    </p:extLst>
+  </p:cSld>
+  <p:clrMapOvr>
+    <a:masterClrMapping/>
+  </p:clrMapOvr>
+</p:notes>
+</file>
+
+<file path=ppt/notesSlides/notesSlide3.xml><?xml version="1.0" encoding="utf-8"?>
+<p:notes xmlns:a="http://schemas.openxmlformats.org/drawingml/2006/main" xmlns:r="http://schemas.openxmlformats.org/officeDocument/2006/relationships" xmlns:p="http://schemas.openxmlformats.org/presentationml/2006/main">
+  <p:cSld>
+    <p:spTree>
+      <p:nvGrpSpPr>
+        <p:cNvPr id="1" name=""/>
+        <p:cNvGrpSpPr/>
+        <p:nvPr/>
+      </p:nvGrpSpPr>
+      <p:grpSpPr>
+        <a:xfrm>
+          <a:off x="0" y="0"/>
+          <a:ext cx="0" cy="0"/>
+          <a:chOff x="0" y="0"/>
+          <a:chExt cx="0" cy="0"/>
+        </a:xfrm>
+      </p:grpSpPr>
+      <p:sp>
+        <p:nvSpPr>
+          <p:cNvPr id="2" name="Diakép helye 1"/>
+          <p:cNvSpPr>
+            <a:spLocks noGrp="1" noRot="1" noChangeAspect="1"/>
+          </p:cNvSpPr>
+          <p:nvPr>
+            <p:ph type="sldImg"/>
+          </p:nvPr>
+        </p:nvSpPr>
+        <p:spPr/>
+      </p:sp>
+      <p:sp>
+        <p:nvSpPr>
+          <p:cNvPr id="3" name="Jegyzetek helye 2"/>
+          <p:cNvSpPr>
+            <a:spLocks noGrp="1"/>
+          </p:cNvSpPr>
+          <p:nvPr>
+            <p:ph type="body" idx="1"/>
+          </p:nvPr>
+        </p:nvSpPr>
+        <p:spPr/>
+        <p:txBody>
+          <a:bodyPr/>
+          <a:lstStyle/>
+          <a:p>
+            <a:pPr marL="0" marR="0" indent="0" algn="l" defTabSz="914400" rtl="0" eaLnBrk="1" fontAlgn="auto" latinLnBrk="0" hangingPunct="1">
+              <a:lnSpc>
+                <a:spcPct val="100000"/>
+              </a:lnSpc>
+              <a:spcBef>
+                <a:spcPts val="0"/>
+              </a:spcBef>
+              <a:spcAft>
+                <a:spcPts val="0"/>
+              </a:spcAft>
+              <a:buClrTx/>
+              <a:buSzTx/>
+              <a:buFontTx/>
+              <a:buNone/>
+              <a:tabLst/>
+              <a:defRPr/>
+            </a:pPr>
+            <a:r>
+              <a:rPr lang="hu-HU" dirty="0" smtClean="0"/>
+              <a:t>Most pedig</a:t>
+            </a:r>
+            <a:r>
+              <a:rPr lang="hu-HU" baseline="0" dirty="0" smtClean="0"/>
+              <a:t> a projektmunka alatti feladataimról szeretnék szót ejteni. Ahogy ismerkedtem a használt technológiákkal úgy vállaltam egyre nagyobb feladatokat , elejinte adatbázisban egy-egy táblát vettem fel kapcsolatokat hoztam létre köztük úgy később egész főbb részeket vállaltam el egyedül.</a:t>
+            </a:r>
+          </a:p>
+          <a:p>
+            <a:pPr marL="0" marR="0" indent="0" algn="l" defTabSz="914400" rtl="0" eaLnBrk="1" fontAlgn="auto" latinLnBrk="0" hangingPunct="1">
+              <a:lnSpc>
+                <a:spcPct val="100000"/>
+              </a:lnSpc>
+              <a:spcBef>
+                <a:spcPts val="0"/>
+              </a:spcBef>
+              <a:spcAft>
+                <a:spcPts val="0"/>
+              </a:spcAft>
+              <a:buClrTx/>
+              <a:buSzTx/>
+              <a:buFontTx/>
+              <a:buNone/>
+              <a:tabLst/>
+              <a:defRPr/>
+            </a:pPr>
+            <a:endParaRPr lang="hu-HU" baseline="0" dirty="0" smtClean="0"/>
+          </a:p>
+          <a:p>
+            <a:pPr marL="0" marR="0" indent="0" algn="l" defTabSz="914400" rtl="0" eaLnBrk="1" fontAlgn="auto" latinLnBrk="0" hangingPunct="1">
+              <a:lnSpc>
+                <a:spcPct val="100000"/>
+              </a:lnSpc>
+              <a:spcBef>
+                <a:spcPts val="0"/>
+              </a:spcBef>
+              <a:spcAft>
+                <a:spcPts val="0"/>
+              </a:spcAft>
+              <a:buClrTx/>
+              <a:buSzTx/>
+              <a:buFontTx/>
+              <a:buNone/>
+              <a:tabLst/>
+              <a:defRPr/>
+            </a:pPr>
+            <a:r>
+              <a:rPr lang="hu-HU" baseline="0" dirty="0" smtClean="0"/>
+              <a:t>Ahogy a </a:t>
+            </a:r>
+            <a:r>
+              <a:rPr lang="hu-HU" baseline="0" dirty="0" err="1" smtClean="0"/>
+              <a:t>kanboardos</a:t>
+            </a:r>
+            <a:r>
+              <a:rPr lang="hu-HU" baseline="0" dirty="0" smtClean="0"/>
+              <a:t> feladataimból látszik minden féle-fajta feladatot tudtam érinteni a projektmunka során így a lehetőleg legtöbbet tanulhattam és tapasztalhattam. </a:t>
+            </a:r>
+          </a:p>
+          <a:p>
+            <a:pPr marL="0" marR="0" indent="0" algn="l" defTabSz="914400" rtl="0" eaLnBrk="1" fontAlgn="auto" latinLnBrk="0" hangingPunct="1">
+              <a:lnSpc>
+                <a:spcPct val="100000"/>
+              </a:lnSpc>
+              <a:spcBef>
+                <a:spcPts val="0"/>
+              </a:spcBef>
+              <a:spcAft>
+                <a:spcPts val="0"/>
+              </a:spcAft>
+              <a:buClrTx/>
+              <a:buSzTx/>
+              <a:buFontTx/>
+              <a:buNone/>
+              <a:tabLst/>
+              <a:defRPr/>
+            </a:pPr>
+            <a:r>
+              <a:rPr lang="hu-HU" baseline="0" dirty="0" smtClean="0"/>
+              <a:t>A főbb feladataim között volt a teszt kitöltésének implementálása. Itt egészen adatbázisrétegtől én irányíttattam az adatokat a megjelenítő rétegig amit majd a tesztet kitöltő diákok láthatnak, de nem ez volt az egyetlen feladatom mikor teljesen a legalsó rétegtől kellet a legfelsőbb rétegik új tartalmat létrehoznom .</a:t>
+            </a:r>
+          </a:p>
+          <a:p>
+            <a:pPr marL="0" marR="0" indent="0" algn="l" defTabSz="914400" rtl="0" eaLnBrk="1" fontAlgn="auto" latinLnBrk="0" hangingPunct="1">
+              <a:lnSpc>
+                <a:spcPct val="100000"/>
+              </a:lnSpc>
+              <a:spcBef>
+                <a:spcPts val="0"/>
+              </a:spcBef>
+              <a:spcAft>
+                <a:spcPts val="0"/>
+              </a:spcAft>
+              <a:buClrTx/>
+              <a:buSzTx/>
+              <a:buFontTx/>
+              <a:buNone/>
+              <a:tabLst/>
+              <a:defRPr/>
+            </a:pPr>
+            <a:endParaRPr lang="hu-HU" baseline="0" dirty="0" smtClean="0"/>
+          </a:p>
+          <a:p>
+            <a:pPr marL="0" marR="0" indent="0" algn="l" defTabSz="914400" rtl="0" eaLnBrk="1" fontAlgn="auto" latinLnBrk="0" hangingPunct="1">
+              <a:lnSpc>
+                <a:spcPct val="100000"/>
+              </a:lnSpc>
+              <a:spcBef>
+                <a:spcPts val="0"/>
+              </a:spcBef>
+              <a:spcAft>
+                <a:spcPts val="0"/>
+              </a:spcAft>
+              <a:buClrTx/>
+              <a:buSzTx/>
+              <a:buFontTx/>
+              <a:buNone/>
+              <a:tabLst/>
+              <a:defRPr/>
+            </a:pPr>
+            <a:r>
+              <a:rPr lang="hu-HU" baseline="0" dirty="0" smtClean="0"/>
+              <a:t>A projektmunka során a problémamegoldásának a menete egy jól megfontolt gondolkodási idővel indult hogy kiválaszthassam a legegyszerűbb módot a kiválasztott problémára. Így sikerült </a:t>
+            </a:r>
+            <a:r>
+              <a:rPr lang="hu-HU" sz="1200" b="0" i="0" kern="1200" dirty="0" smtClean="0">
+                <a:solidFill>
+                  <a:schemeClr val="tx1"/>
+                </a:solidFill>
+                <a:effectLst/>
+                <a:latin typeface="+mn-lt"/>
+                <a:ea typeface="+mn-ea"/>
+                <a:cs typeface="+mn-cs"/>
+              </a:rPr>
+              <a:t>nehéz feladataim nagyrészét hamarabb elvégezni , </a:t>
+            </a:r>
+            <a:r>
+              <a:rPr lang="hu-HU" baseline="0" dirty="0" smtClean="0"/>
+              <a:t>és így több időm maradt a László által kiszabott feladatokra </a:t>
+            </a:r>
+            <a:r>
+              <a:rPr lang="hu-HU" sz="1200" b="0" i="0" kern="1200" dirty="0" smtClean="0">
+                <a:solidFill>
+                  <a:schemeClr val="tx1"/>
+                </a:solidFill>
+                <a:effectLst/>
+                <a:latin typeface="+mn-lt"/>
+                <a:ea typeface="+mn-ea"/>
+                <a:cs typeface="+mn-cs"/>
+              </a:rPr>
+              <a:t>, valamint csapattársaim kisegítésére is.</a:t>
+            </a:r>
+            <a:r>
+              <a:rPr lang="hu-HU" sz="1200" b="0" i="0" kern="1200" baseline="0" dirty="0" smtClean="0">
+                <a:solidFill>
+                  <a:schemeClr val="tx1"/>
+                </a:solidFill>
+                <a:effectLst/>
+                <a:latin typeface="+mn-lt"/>
+                <a:ea typeface="+mn-ea"/>
+                <a:cs typeface="+mn-cs"/>
+              </a:rPr>
+              <a:t> Ahogy a dián is felvan tüntetve én végeztem a legtöbb </a:t>
+            </a:r>
+            <a:r>
+              <a:rPr lang="hu-HU" sz="1200" b="0" i="0" kern="1200" baseline="0" dirty="0" err="1" smtClean="0">
+                <a:solidFill>
+                  <a:schemeClr val="tx1"/>
+                </a:solidFill>
+                <a:effectLst/>
+                <a:latin typeface="+mn-lt"/>
+                <a:ea typeface="+mn-ea"/>
+                <a:cs typeface="+mn-cs"/>
+              </a:rPr>
+              <a:t>nemzetköziesítést</a:t>
+            </a:r>
+            <a:r>
+              <a:rPr lang="hu-HU" sz="1200" b="0" i="0" kern="1200" baseline="0" dirty="0" smtClean="0">
+                <a:solidFill>
+                  <a:schemeClr val="tx1"/>
+                </a:solidFill>
+                <a:effectLst/>
+                <a:latin typeface="+mn-lt"/>
+                <a:ea typeface="+mn-ea"/>
+                <a:cs typeface="+mn-cs"/>
+              </a:rPr>
+              <a:t>. Köztudottan ez nem egy nehéz feladat de valakinek ezt is megkellet csinálni hosszú és monoton de ezt mindig lehetett csinálni ha éppen csak ez volt az elérhető feladatok között, én pedig szerettem volna a legtöbbet kivenni a csapatmunkából.</a:t>
+            </a:r>
+            <a:endParaRPr lang="hu-HU" dirty="0" smtClean="0"/>
+          </a:p>
+        </p:txBody>
+      </p:sp>
+      <p:sp>
+        <p:nvSpPr>
+          <p:cNvPr id="4" name="Dia számának helye 3"/>
+          <p:cNvSpPr>
+            <a:spLocks noGrp="1"/>
+          </p:cNvSpPr>
+          <p:nvPr>
+            <p:ph type="sldNum" sz="quarter" idx="10"/>
+          </p:nvPr>
+        </p:nvSpPr>
+        <p:spPr/>
+        <p:txBody>
+          <a:bodyPr/>
+          <a:lstStyle/>
+          <a:p>
+            <a:fld id="{C82E7805-5C84-4A96-8C5B-CCD43CD4F7A0}" type="slidenum">
+              <a:rPr lang="hu-HU" smtClean="0"/>
+              <a:t>4</a:t>
+            </a:fld>
+            <a:endParaRPr lang="hu-HU"/>
+          </a:p>
+        </p:txBody>
+      </p:sp>
+    </p:spTree>
+    <p:extLst>
+      <p:ext uri="{BB962C8B-B14F-4D97-AF65-F5344CB8AC3E}">
+        <p14:creationId xmlns:p14="http://schemas.microsoft.com/office/powerpoint/2010/main" val="2742660981"/>
+      </p:ext>
+    </p:extLst>
+  </p:cSld>
+  <p:clrMapOvr>
+    <a:masterClrMapping/>
+  </p:clrMapOvr>
+</p:notes>
+</file>
+
+<file path=ppt/notesSlides/notesSlide4.xml><?xml version="1.0" encoding="utf-8"?>
+<p:notes xmlns:a="http://schemas.openxmlformats.org/drawingml/2006/main" xmlns:r="http://schemas.openxmlformats.org/officeDocument/2006/relationships" xmlns:p="http://schemas.openxmlformats.org/presentationml/2006/main">
+  <p:cSld>
+    <p:spTree>
+      <p:nvGrpSpPr>
+        <p:cNvPr id="1" name=""/>
+        <p:cNvGrpSpPr/>
+        <p:nvPr/>
+      </p:nvGrpSpPr>
+      <p:grpSpPr>
+        <a:xfrm>
+          <a:off x="0" y="0"/>
+          <a:ext cx="0" cy="0"/>
+          <a:chOff x="0" y="0"/>
+          <a:chExt cx="0" cy="0"/>
+        </a:xfrm>
+      </p:grpSpPr>
+      <p:sp>
+        <p:nvSpPr>
+          <p:cNvPr id="2" name="Diakép helye 1"/>
+          <p:cNvSpPr>
+            <a:spLocks noGrp="1" noRot="1" noChangeAspect="1"/>
+          </p:cNvSpPr>
+          <p:nvPr>
+            <p:ph type="sldImg"/>
+          </p:nvPr>
+        </p:nvSpPr>
+        <p:spPr/>
+      </p:sp>
+      <p:sp>
+        <p:nvSpPr>
+          <p:cNvPr id="3" name="Jegyzetek helye 2"/>
+          <p:cNvSpPr>
+            <a:spLocks noGrp="1"/>
+          </p:cNvSpPr>
+          <p:nvPr>
+            <p:ph type="body" idx="1"/>
+          </p:nvPr>
+        </p:nvSpPr>
+        <p:spPr/>
+        <p:txBody>
+          <a:bodyPr/>
+          <a:lstStyle/>
+          <a:p>
+            <a:pPr marL="0" marR="0" indent="0" algn="l" defTabSz="914400" rtl="0" eaLnBrk="1" fontAlgn="auto" latinLnBrk="0" hangingPunct="1">
+              <a:lnSpc>
+                <a:spcPct val="100000"/>
+              </a:lnSpc>
+              <a:spcBef>
+                <a:spcPts val="0"/>
+              </a:spcBef>
+              <a:spcAft>
+                <a:spcPts val="0"/>
+              </a:spcAft>
+              <a:buClrTx/>
+              <a:buSzTx/>
+              <a:buFontTx/>
+              <a:buNone/>
+              <a:tabLst/>
+              <a:defRPr/>
+            </a:pPr>
+            <a:r>
+              <a:rPr lang="hu-HU" dirty="0" smtClean="0"/>
+              <a:t>Rátérnék</a:t>
+            </a:r>
+            <a:r>
+              <a:rPr lang="hu-HU" baseline="0" dirty="0" smtClean="0"/>
+              <a:t> a kihívásaimra, a projekt során főbb kihívásaimra mondanám a teszt státusz problémát. Ahogy mondtam a kihívásaim előtt megpróbáltam átgondolni a legegyszerűbb megoldást, talán ez mozgatta meg a legtöbb fogaskerekem hiszen annyira ellehet volna bonyolítani hogy mire leimplementáltam volna a megoldást túl sok idő telt volna el gondoltam elsőre. Így ezt a feladatot elnapoltam és mással foglalkoztam megtartottam a gondolatmenetem a legközelebbi megbeszélésre </a:t>
+            </a:r>
+          </a:p>
+          <a:p>
+            <a:pPr marL="0" marR="0" indent="0" algn="l" defTabSz="914400" rtl="0" eaLnBrk="1" fontAlgn="auto" latinLnBrk="0" hangingPunct="1">
+              <a:lnSpc>
+                <a:spcPct val="100000"/>
+              </a:lnSpc>
+              <a:spcBef>
+                <a:spcPts val="0"/>
+              </a:spcBef>
+              <a:spcAft>
+                <a:spcPts val="0"/>
+              </a:spcAft>
+              <a:buClrTx/>
+              <a:buSzTx/>
+              <a:buFontTx/>
+              <a:buNone/>
+              <a:tabLst/>
+              <a:defRPr/>
+            </a:pPr>
+            <a:r>
+              <a:rPr lang="hu-HU" baseline="0" dirty="0" smtClean="0"/>
+              <a:t>A megbeszélésen felhoztuk témaként és sikerült közösen egy egyszerűbb megoldást adni mint ahogy én azt elsőre gondoltam. Végül a megoldás egyszerűre sikeredett annyi volt hogy adatbázis szinten letároltam egy kapcsolót , </a:t>
+            </a:r>
+            <a:endParaRPr lang="hu-HU" dirty="0" smtClean="0"/>
+          </a:p>
+          <a:p>
+            <a:endParaRPr lang="hu-HU" dirty="0"/>
+          </a:p>
+        </p:txBody>
+      </p:sp>
+      <p:sp>
+        <p:nvSpPr>
+          <p:cNvPr id="4" name="Dia számának helye 3"/>
+          <p:cNvSpPr>
+            <a:spLocks noGrp="1"/>
+          </p:cNvSpPr>
+          <p:nvPr>
+            <p:ph type="sldNum" sz="quarter" idx="10"/>
+          </p:nvPr>
+        </p:nvSpPr>
+        <p:spPr/>
+        <p:txBody>
+          <a:bodyPr/>
+          <a:lstStyle/>
+          <a:p>
+            <a:fld id="{C82E7805-5C84-4A96-8C5B-CCD43CD4F7A0}" type="slidenum">
+              <a:rPr lang="hu-HU" smtClean="0"/>
+              <a:t>5</a:t>
+            </a:fld>
+            <a:endParaRPr lang="hu-HU"/>
+          </a:p>
+        </p:txBody>
+      </p:sp>
+    </p:spTree>
+    <p:extLst>
+      <p:ext uri="{BB962C8B-B14F-4D97-AF65-F5344CB8AC3E}">
+        <p14:creationId xmlns:p14="http://schemas.microsoft.com/office/powerpoint/2010/main" val="3278857874"/>
+      </p:ext>
+    </p:extLst>
+  </p:cSld>
+  <p:clrMapOvr>
+    <a:masterClrMapping/>
+  </p:clrMapOvr>
+</p:notes>
+</file>
+
+<file path=ppt/notesSlides/notesSlide5.xml><?xml version="1.0" encoding="utf-8"?>
+<p:notes xmlns:a="http://schemas.openxmlformats.org/drawingml/2006/main" xmlns:r="http://schemas.openxmlformats.org/officeDocument/2006/relationships" xmlns:p="http://schemas.openxmlformats.org/presentationml/2006/main">
+  <p:cSld>
+    <p:spTree>
+      <p:nvGrpSpPr>
+        <p:cNvPr id="1" name=""/>
+        <p:cNvGrpSpPr/>
+        <p:nvPr/>
+      </p:nvGrpSpPr>
+      <p:grpSpPr>
+        <a:xfrm>
+          <a:off x="0" y="0"/>
+          <a:ext cx="0" cy="0"/>
+          <a:chOff x="0" y="0"/>
+          <a:chExt cx="0" cy="0"/>
+        </a:xfrm>
+      </p:grpSpPr>
+      <p:sp>
+        <p:nvSpPr>
+          <p:cNvPr id="2" name="Diakép helye 1"/>
+          <p:cNvSpPr>
+            <a:spLocks noGrp="1" noRot="1" noChangeAspect="1"/>
+          </p:cNvSpPr>
+          <p:nvPr>
+            <p:ph type="sldImg"/>
+          </p:nvPr>
+        </p:nvSpPr>
+        <p:spPr/>
+      </p:sp>
+      <p:sp>
+        <p:nvSpPr>
+          <p:cNvPr id="3" name="Jegyzetek helye 2"/>
+          <p:cNvSpPr>
+            <a:spLocks noGrp="1"/>
+          </p:cNvSpPr>
+          <p:nvPr>
+            <p:ph type="body" idx="1"/>
+          </p:nvPr>
+        </p:nvSpPr>
+        <p:spPr/>
+        <p:txBody>
+          <a:bodyPr/>
+          <a:lstStyle/>
+          <a:p>
+            <a:pPr marL="0" marR="0" indent="0" algn="l" defTabSz="914400" rtl="0" eaLnBrk="1" fontAlgn="auto" latinLnBrk="0" hangingPunct="1">
+              <a:lnSpc>
+                <a:spcPct val="100000"/>
+              </a:lnSpc>
+              <a:spcBef>
+                <a:spcPts val="0"/>
+              </a:spcBef>
+              <a:spcAft>
+                <a:spcPts val="0"/>
+              </a:spcAft>
+              <a:buClrTx/>
+              <a:buSzTx/>
+              <a:buFontTx/>
+              <a:buNone/>
+              <a:tabLst/>
+              <a:defRPr/>
+            </a:pPr>
+            <a:r>
+              <a:rPr lang="hu-HU" baseline="0" dirty="0" smtClean="0"/>
+              <a:t>Melyet a honlapon keresztül állíthat az oktató. Ezek után már csak az volt a feladatom hogy a diáknak is megjelenjen a kitöltés gomb megfelelő állapotában az alábbi módon. Itt pedig a </a:t>
+            </a:r>
+            <a:r>
+              <a:rPr lang="hu-HU" baseline="0" dirty="0" err="1" smtClean="0"/>
+              <a:t>primefaces</a:t>
+            </a:r>
+            <a:r>
+              <a:rPr lang="hu-HU" baseline="0" dirty="0" smtClean="0"/>
+              <a:t> adta lehetőségeket használtam ki.</a:t>
+            </a:r>
+            <a:endParaRPr lang="hu-HU" dirty="0" smtClean="0"/>
+          </a:p>
+        </p:txBody>
+      </p:sp>
+      <p:sp>
+        <p:nvSpPr>
+          <p:cNvPr id="4" name="Dia számának helye 3"/>
+          <p:cNvSpPr>
+            <a:spLocks noGrp="1"/>
+          </p:cNvSpPr>
+          <p:nvPr>
+            <p:ph type="sldNum" sz="quarter" idx="10"/>
+          </p:nvPr>
+        </p:nvSpPr>
+        <p:spPr/>
+        <p:txBody>
+          <a:bodyPr/>
+          <a:lstStyle/>
+          <a:p>
+            <a:fld id="{C82E7805-5C84-4A96-8C5B-CCD43CD4F7A0}" type="slidenum">
+              <a:rPr lang="hu-HU" smtClean="0"/>
+              <a:t>6</a:t>
+            </a:fld>
+            <a:endParaRPr lang="hu-HU"/>
+          </a:p>
+        </p:txBody>
+      </p:sp>
+    </p:spTree>
+    <p:extLst>
+      <p:ext uri="{BB962C8B-B14F-4D97-AF65-F5344CB8AC3E}">
+        <p14:creationId xmlns:p14="http://schemas.microsoft.com/office/powerpoint/2010/main" val="1310893805"/>
+      </p:ext>
+    </p:extLst>
+  </p:cSld>
+  <p:clrMapOvr>
+    <a:masterClrMapping/>
+  </p:clrMapOvr>
+</p:notes>
+</file>
+
+<file path=ppt/notesSlides/notesSlide6.xml><?xml version="1.0" encoding="utf-8"?>
+<p:notes xmlns:a="http://schemas.openxmlformats.org/drawingml/2006/main" xmlns:r="http://schemas.openxmlformats.org/officeDocument/2006/relationships" xmlns:p="http://schemas.openxmlformats.org/presentationml/2006/main">
+  <p:cSld>
+    <p:spTree>
+      <p:nvGrpSpPr>
+        <p:cNvPr id="1" name=""/>
+        <p:cNvGrpSpPr/>
+        <p:nvPr/>
+      </p:nvGrpSpPr>
+      <p:grpSpPr>
+        <a:xfrm>
+          <a:off x="0" y="0"/>
+          <a:ext cx="0" cy="0"/>
+          <a:chOff x="0" y="0"/>
+          <a:chExt cx="0" cy="0"/>
+        </a:xfrm>
+      </p:grpSpPr>
+      <p:sp>
+        <p:nvSpPr>
+          <p:cNvPr id="2" name="Diakép helye 1"/>
+          <p:cNvSpPr>
+            <a:spLocks noGrp="1" noRot="1" noChangeAspect="1"/>
+          </p:cNvSpPr>
+          <p:nvPr>
+            <p:ph type="sldImg"/>
+          </p:nvPr>
+        </p:nvSpPr>
+        <p:spPr/>
+      </p:sp>
+      <p:sp>
+        <p:nvSpPr>
+          <p:cNvPr id="3" name="Jegyzetek helye 2"/>
+          <p:cNvSpPr>
+            <a:spLocks noGrp="1"/>
+          </p:cNvSpPr>
+          <p:nvPr>
+            <p:ph type="body" idx="1"/>
+          </p:nvPr>
+        </p:nvSpPr>
+        <p:spPr/>
+        <p:txBody>
+          <a:bodyPr/>
+          <a:lstStyle/>
+          <a:p>
+            <a:r>
+              <a:rPr lang="hu-HU" dirty="0" smtClean="0"/>
+              <a:t>Zárásképpen arról szeretnék beszélni amit</a:t>
+            </a:r>
+            <a:r>
+              <a:rPr lang="hu-HU" baseline="0" dirty="0" smtClean="0"/>
+              <a:t> a képzés adott , egyfelől ugye már beszéltem a csapatmunkáról amit elengedhetetlennek tartok egy ilyen projekt során. Ezen kívül ahogy mindenki, én is számtalan tapasztalattal illetve megoldási folyamattal lett gazdagabb. Ezt azért emelném ki és azért fontos mert ezeket nem a közelgő munkahelyen kell majd át először átélnem hanem már az itt felhasználtakból meríthetek. </a:t>
+            </a:r>
+          </a:p>
+          <a:p>
+            <a:endParaRPr lang="hu-HU" baseline="0" dirty="0" smtClean="0"/>
+          </a:p>
+          <a:p>
+            <a:r>
+              <a:rPr lang="hu-HU" baseline="0" dirty="0" smtClean="0"/>
+              <a:t>Az alábbi feladataim megoldásából az is kiderülhet számukra hogy adott technológiákat megtanultam használni úgy  , hogy kijelölt feladataimat elvégezzem. Ez azt is jelenti hogyha egy újabb technológiával kerülnék szembe azt ugyan így tudnám magamévá tenni , és rövid idő elteltével úgy lenne az a tudás magabiztos és később teljesen megbízható. </a:t>
+            </a:r>
+          </a:p>
+          <a:p>
+            <a:endParaRPr lang="hu-HU" baseline="0" dirty="0" smtClean="0"/>
+          </a:p>
+          <a:p>
+            <a:r>
+              <a:rPr lang="hu-HU" baseline="0" dirty="0" smtClean="0"/>
+              <a:t>Végül megszeretném köszönni a figyelmüket és hogy meghallgattak. Köszönöm.</a:t>
+            </a:r>
+            <a:endParaRPr lang="hu-HU" dirty="0"/>
+          </a:p>
+        </p:txBody>
+      </p:sp>
+      <p:sp>
+        <p:nvSpPr>
+          <p:cNvPr id="4" name="Dia számának helye 3"/>
+          <p:cNvSpPr>
+            <a:spLocks noGrp="1"/>
+          </p:cNvSpPr>
+          <p:nvPr>
+            <p:ph type="sldNum" sz="quarter" idx="10"/>
+          </p:nvPr>
+        </p:nvSpPr>
+        <p:spPr/>
+        <p:txBody>
+          <a:bodyPr/>
+          <a:lstStyle/>
+          <a:p>
+            <a:fld id="{C82E7805-5C84-4A96-8C5B-CCD43CD4F7A0}" type="slidenum">
+              <a:rPr lang="hu-HU" smtClean="0"/>
+              <a:t>7</a:t>
+            </a:fld>
+            <a:endParaRPr lang="hu-HU"/>
+          </a:p>
+        </p:txBody>
+      </p:sp>
+    </p:spTree>
+    <p:extLst>
+      <p:ext uri="{BB962C8B-B14F-4D97-AF65-F5344CB8AC3E}">
+        <p14:creationId xmlns:p14="http://schemas.microsoft.com/office/powerpoint/2010/main" val="4157291961"/>
+      </p:ext>
+    </p:extLst>
+  </p:cSld>
+  <p:clrMapOvr>
+    <a:masterClrMapping/>
+  </p:clrMapOvr>
+</p:notes>
 </file>
 
 <file path=ppt/slideLayouts/slideLayout1.xml><?xml version="1.0" encoding="utf-8"?>
@@ -262,7 +1500,7 @@
             <a:fld id="{C6E8B002-83F0-41C5-A7B7-2819A96BD9B2}" type="datetimeFigureOut">
               <a:rPr lang="hu-HU" smtClean="0"/>
               <a:pPr/>
-              <a:t>2016.05.17.</a:t>
+              <a:t>2016.05.19.</a:t>
             </a:fld>
             <a:endParaRPr lang="hu-HU"/>
           </a:p>
@@ -314,7 +1552,7 @@
     </p:spTree>
     <p:extLst>
       <p:ext uri="{BB962C8B-B14F-4D97-AF65-F5344CB8AC3E}">
-        <p14:creationId xmlns="" xmlns:p14="http://schemas.microsoft.com/office/powerpoint/2010/main" val="4024426608"/>
+        <p14:creationId xmlns:p14="http://schemas.microsoft.com/office/powerpoint/2010/main" val="4024426608"/>
       </p:ext>
     </p:extLst>
   </p:cSld>
@@ -434,7 +1672,7 @@
             <a:fld id="{C6E8B002-83F0-41C5-A7B7-2819A96BD9B2}" type="datetimeFigureOut">
               <a:rPr lang="hu-HU" smtClean="0"/>
               <a:pPr/>
-              <a:t>2016.05.17.</a:t>
+              <a:t>2016.05.19.</a:t>
             </a:fld>
             <a:endParaRPr lang="hu-HU"/>
           </a:p>
@@ -486,7 +1724,7 @@
     </p:spTree>
     <p:extLst>
       <p:ext uri="{BB962C8B-B14F-4D97-AF65-F5344CB8AC3E}">
-        <p14:creationId xmlns="" xmlns:p14="http://schemas.microsoft.com/office/powerpoint/2010/main" val="2278669477"/>
+        <p14:creationId xmlns:p14="http://schemas.microsoft.com/office/powerpoint/2010/main" val="2278669477"/>
       </p:ext>
     </p:extLst>
   </p:cSld>
@@ -616,7 +1854,7 @@
             <a:fld id="{C6E8B002-83F0-41C5-A7B7-2819A96BD9B2}" type="datetimeFigureOut">
               <a:rPr lang="hu-HU" smtClean="0"/>
               <a:pPr/>
-              <a:t>2016.05.17.</a:t>
+              <a:t>2016.05.19.</a:t>
             </a:fld>
             <a:endParaRPr lang="hu-HU"/>
           </a:p>
@@ -668,7 +1906,7 @@
     </p:spTree>
     <p:extLst>
       <p:ext uri="{BB962C8B-B14F-4D97-AF65-F5344CB8AC3E}">
-        <p14:creationId xmlns="" xmlns:p14="http://schemas.microsoft.com/office/powerpoint/2010/main" val="1230374094"/>
+        <p14:creationId xmlns:p14="http://schemas.microsoft.com/office/powerpoint/2010/main" val="1230374094"/>
       </p:ext>
     </p:extLst>
   </p:cSld>
@@ -788,7 +2026,7 @@
             <a:fld id="{C6E8B002-83F0-41C5-A7B7-2819A96BD9B2}" type="datetimeFigureOut">
               <a:rPr lang="hu-HU" smtClean="0"/>
               <a:pPr/>
-              <a:t>2016.05.17.</a:t>
+              <a:t>2016.05.19.</a:t>
             </a:fld>
             <a:endParaRPr lang="hu-HU"/>
           </a:p>
@@ -840,7 +2078,7 @@
     </p:spTree>
     <p:extLst>
       <p:ext uri="{BB962C8B-B14F-4D97-AF65-F5344CB8AC3E}">
-        <p14:creationId xmlns="" xmlns:p14="http://schemas.microsoft.com/office/powerpoint/2010/main" val="258263725"/>
+        <p14:creationId xmlns:p14="http://schemas.microsoft.com/office/powerpoint/2010/main" val="258263725"/>
       </p:ext>
     </p:extLst>
   </p:cSld>
@@ -1034,7 +2272,7 @@
             <a:fld id="{C6E8B002-83F0-41C5-A7B7-2819A96BD9B2}" type="datetimeFigureOut">
               <a:rPr lang="hu-HU" smtClean="0"/>
               <a:pPr/>
-              <a:t>2016.05.17.</a:t>
+              <a:t>2016.05.19.</a:t>
             </a:fld>
             <a:endParaRPr lang="hu-HU"/>
           </a:p>
@@ -1086,7 +2324,7 @@
     </p:spTree>
     <p:extLst>
       <p:ext uri="{BB962C8B-B14F-4D97-AF65-F5344CB8AC3E}">
-        <p14:creationId xmlns="" xmlns:p14="http://schemas.microsoft.com/office/powerpoint/2010/main" val="1553284866"/>
+        <p14:creationId xmlns:p14="http://schemas.microsoft.com/office/powerpoint/2010/main" val="1553284866"/>
       </p:ext>
     </p:extLst>
   </p:cSld>
@@ -1268,7 +2506,7 @@
             <a:fld id="{C6E8B002-83F0-41C5-A7B7-2819A96BD9B2}" type="datetimeFigureOut">
               <a:rPr lang="hu-HU" smtClean="0"/>
               <a:pPr/>
-              <a:t>2016.05.17.</a:t>
+              <a:t>2016.05.19.</a:t>
             </a:fld>
             <a:endParaRPr lang="hu-HU"/>
           </a:p>
@@ -1320,7 +2558,7 @@
     </p:spTree>
     <p:extLst>
       <p:ext uri="{BB962C8B-B14F-4D97-AF65-F5344CB8AC3E}">
-        <p14:creationId xmlns="" xmlns:p14="http://schemas.microsoft.com/office/powerpoint/2010/main" val="4154606885"/>
+        <p14:creationId xmlns:p14="http://schemas.microsoft.com/office/powerpoint/2010/main" val="4154606885"/>
       </p:ext>
     </p:extLst>
   </p:cSld>
@@ -1637,7 +2875,7 @@
             <a:fld id="{C6E8B002-83F0-41C5-A7B7-2819A96BD9B2}" type="datetimeFigureOut">
               <a:rPr lang="hu-HU" smtClean="0"/>
               <a:pPr/>
-              <a:t>2016.05.17.</a:t>
+              <a:t>2016.05.19.</a:t>
             </a:fld>
             <a:endParaRPr lang="hu-HU"/>
           </a:p>
@@ -1689,7 +2927,7 @@
     </p:spTree>
     <p:extLst>
       <p:ext uri="{BB962C8B-B14F-4D97-AF65-F5344CB8AC3E}">
-        <p14:creationId xmlns="" xmlns:p14="http://schemas.microsoft.com/office/powerpoint/2010/main" val="352643938"/>
+        <p14:creationId xmlns:p14="http://schemas.microsoft.com/office/powerpoint/2010/main" val="352643938"/>
       </p:ext>
     </p:extLst>
   </p:cSld>
@@ -1757,7 +2995,7 @@
             <a:fld id="{C6E8B002-83F0-41C5-A7B7-2819A96BD9B2}" type="datetimeFigureOut">
               <a:rPr lang="hu-HU" smtClean="0"/>
               <a:pPr/>
-              <a:t>2016.05.17.</a:t>
+              <a:t>2016.05.19.</a:t>
             </a:fld>
             <a:endParaRPr lang="hu-HU"/>
           </a:p>
@@ -1809,7 +3047,7 @@
     </p:spTree>
     <p:extLst>
       <p:ext uri="{BB962C8B-B14F-4D97-AF65-F5344CB8AC3E}">
-        <p14:creationId xmlns="" xmlns:p14="http://schemas.microsoft.com/office/powerpoint/2010/main" val="755990450"/>
+        <p14:creationId xmlns:p14="http://schemas.microsoft.com/office/powerpoint/2010/main" val="755990450"/>
       </p:ext>
     </p:extLst>
   </p:cSld>
@@ -1854,7 +3092,7 @@
             <a:fld id="{C6E8B002-83F0-41C5-A7B7-2819A96BD9B2}" type="datetimeFigureOut">
               <a:rPr lang="hu-HU" smtClean="0"/>
               <a:pPr/>
-              <a:t>2016.05.17.</a:t>
+              <a:t>2016.05.19.</a:t>
             </a:fld>
             <a:endParaRPr lang="hu-HU"/>
           </a:p>
@@ -1906,7 +3144,7 @@
     </p:spTree>
     <p:extLst>
       <p:ext uri="{BB962C8B-B14F-4D97-AF65-F5344CB8AC3E}">
-        <p14:creationId xmlns="" xmlns:p14="http://schemas.microsoft.com/office/powerpoint/2010/main" val="631435743"/>
+        <p14:creationId xmlns:p14="http://schemas.microsoft.com/office/powerpoint/2010/main" val="631435743"/>
       </p:ext>
     </p:extLst>
   </p:cSld>
@@ -2133,7 +3371,7 @@
             <a:fld id="{C6E8B002-83F0-41C5-A7B7-2819A96BD9B2}" type="datetimeFigureOut">
               <a:rPr lang="hu-HU" smtClean="0"/>
               <a:pPr/>
-              <a:t>2016.05.17.</a:t>
+              <a:t>2016.05.19.</a:t>
             </a:fld>
             <a:endParaRPr lang="hu-HU"/>
           </a:p>
@@ -2185,7 +3423,7 @@
     </p:spTree>
     <p:extLst>
       <p:ext uri="{BB962C8B-B14F-4D97-AF65-F5344CB8AC3E}">
-        <p14:creationId xmlns="" xmlns:p14="http://schemas.microsoft.com/office/powerpoint/2010/main" val="1098823887"/>
+        <p14:creationId xmlns:p14="http://schemas.microsoft.com/office/powerpoint/2010/main" val="1098823887"/>
       </p:ext>
     </p:extLst>
   </p:cSld>
@@ -2392,7 +3630,7 @@
             <a:fld id="{C6E8B002-83F0-41C5-A7B7-2819A96BD9B2}" type="datetimeFigureOut">
               <a:rPr lang="hu-HU" smtClean="0"/>
               <a:pPr/>
-              <a:t>2016.05.17.</a:t>
+              <a:t>2016.05.19.</a:t>
             </a:fld>
             <a:endParaRPr lang="hu-HU"/>
           </a:p>
@@ -2444,7 +3682,7 @@
     </p:spTree>
     <p:extLst>
       <p:ext uri="{BB962C8B-B14F-4D97-AF65-F5344CB8AC3E}">
-        <p14:creationId xmlns="" xmlns:p14="http://schemas.microsoft.com/office/powerpoint/2010/main" val="3373525127"/>
+        <p14:creationId xmlns:p14="http://schemas.microsoft.com/office/powerpoint/2010/main" val="3373525127"/>
       </p:ext>
     </p:extLst>
   </p:cSld>
@@ -2614,7 +3852,7 @@
             <a:fld id="{C6E8B002-83F0-41C5-A7B7-2819A96BD9B2}" type="datetimeFigureOut">
               <a:rPr lang="hu-HU" smtClean="0"/>
               <a:pPr/>
-              <a:t>2016.05.17.</a:t>
+              <a:t>2016.05.19.</a:t>
             </a:fld>
             <a:endParaRPr lang="hu-HU"/>
           </a:p>
@@ -2702,7 +3940,7 @@
     </p:spTree>
     <p:extLst>
       <p:ext uri="{BB962C8B-B14F-4D97-AF65-F5344CB8AC3E}">
-        <p14:creationId xmlns="" xmlns:p14="http://schemas.microsoft.com/office/powerpoint/2010/main" val="3779397563"/>
+        <p14:creationId xmlns:p14="http://schemas.microsoft.com/office/powerpoint/2010/main" val="3779397563"/>
       </p:ext>
     </p:extLst>
   </p:cSld>
@@ -3089,13 +4327,20 @@
     </p:spTree>
     <p:extLst>
       <p:ext uri="{BB962C8B-B14F-4D97-AF65-F5344CB8AC3E}">
-        <p14:creationId xmlns="" xmlns:p14="http://schemas.microsoft.com/office/powerpoint/2010/main" val="3145726277"/>
+        <p14:creationId xmlns:p14="http://schemas.microsoft.com/office/powerpoint/2010/main" val="3145726277"/>
       </p:ext>
     </p:extLst>
   </p:cSld>
   <p:clrMapOvr>
     <a:masterClrMapping/>
   </p:clrMapOvr>
+  <p:timing>
+    <p:tnLst>
+      <p:par>
+        <p:cTn id="1" dur="indefinite" restart="never" nodeType="tmRoot"/>
+      </p:par>
+    </p:tnLst>
+  </p:timing>
 </p:sld>
 </file>
 
@@ -3118,82 +4363,26 @@
       </p:grpSpPr>
       <p:sp>
         <p:nvSpPr>
-          <p:cNvPr id="2" name="Cím 1"/>
-          <p:cNvSpPr>
-            <a:spLocks noGrp="1"/>
-          </p:cNvSpPr>
-          <p:nvPr>
-            <p:ph type="ctrTitle"/>
-          </p:nvPr>
+          <p:cNvPr id="9" name="Téglalap 8"/>
+          <p:cNvSpPr/>
+          <p:nvPr/>
         </p:nvSpPr>
         <p:spPr>
           <a:xfrm>
-            <a:off x="7521394" y="67963"/>
-            <a:ext cx="1548465" cy="583469"/>
+            <a:off x="5393094" y="1425648"/>
+            <a:ext cx="2995125" cy="2969070"/>
           </a:xfrm>
-        </p:spPr>
-        <p:txBody>
-          <a:bodyPr>
-            <a:normAutofit/>
-          </a:bodyPr>
-          <a:lstStyle/>
-          <a:p>
-            <a:r>
-              <a:rPr lang="hu-HU" sz="1800" dirty="0" smtClean="0"/>
-              <a:t>Fehér</a:t>
-            </a:r>
-            <a:endParaRPr lang="hu-HU" sz="1800" dirty="0"/>
-          </a:p>
-        </p:txBody>
-      </p:sp>
-      <p:sp>
-        <p:nvSpPr>
-          <p:cNvPr id="3" name="Alcím 2"/>
-          <p:cNvSpPr>
-            <a:spLocks noGrp="1"/>
-          </p:cNvSpPr>
-          <p:nvPr>
-            <p:ph type="subTitle" idx="1"/>
-          </p:nvPr>
-        </p:nvSpPr>
-        <p:spPr>
-          <a:xfrm>
-            <a:off x="238898" y="858795"/>
-            <a:ext cx="3814688" cy="434696"/>
-          </a:xfrm>
-        </p:spPr>
-        <p:txBody>
-          <a:bodyPr>
-            <a:normAutofit/>
-          </a:bodyPr>
-          <a:lstStyle/>
-          <a:p>
-            <a:r>
-              <a:rPr lang="hu-HU" dirty="0" smtClean="0">
-                <a:latin typeface="+mj-lt"/>
-              </a:rPr>
-              <a:t>Bemutatkozás</a:t>
-            </a:r>
-            <a:endParaRPr lang="hu-HU" dirty="0">
-              <a:latin typeface="+mj-lt"/>
-            </a:endParaRPr>
-          </a:p>
-        </p:txBody>
-      </p:sp>
-      <p:sp>
-        <p:nvSpPr>
-          <p:cNvPr id="4" name="Mosolygó arc 3"/>
-          <p:cNvSpPr/>
-          <p:nvPr/>
-        </p:nvSpPr>
-        <p:spPr>
-          <a:xfrm>
-            <a:off x="6397383" y="1548804"/>
-            <a:ext cx="2522881" cy="2300141"/>
-          </a:xfrm>
-          <a:prstGeom prst="smileyFace">
+          <a:prstGeom prst="rect">
             <a:avLst/>
           </a:prstGeom>
+          <a:solidFill>
+            <a:schemeClr val="tx1"/>
+          </a:solidFill>
+          <a:ln>
+            <a:solidFill>
+              <a:schemeClr val="bg1"/>
+            </a:solidFill>
+          </a:ln>
         </p:spPr>
         <p:style>
           <a:lnRef idx="2">
@@ -3222,6 +4411,71 @@
       </p:sp>
       <p:sp>
         <p:nvSpPr>
+          <p:cNvPr id="2" name="Cím 1"/>
+          <p:cNvSpPr>
+            <a:spLocks noGrp="1"/>
+          </p:cNvSpPr>
+          <p:nvPr>
+            <p:ph type="ctrTitle"/>
+          </p:nvPr>
+        </p:nvSpPr>
+        <p:spPr>
+          <a:xfrm>
+            <a:off x="7521394" y="67963"/>
+            <a:ext cx="1548465" cy="583469"/>
+          </a:xfrm>
+        </p:spPr>
+        <p:txBody>
+          <a:bodyPr>
+            <a:normAutofit/>
+          </a:bodyPr>
+          <a:lstStyle/>
+          <a:p>
+            <a:r>
+              <a:rPr lang="hu-HU" sz="1800" dirty="0" smtClean="0"/>
+              <a:t>Fehér</a:t>
+            </a:r>
+            <a:endParaRPr lang="hu-HU" sz="1800" dirty="0"/>
+          </a:p>
+        </p:txBody>
+      </p:sp>
+      <p:sp>
+        <p:nvSpPr>
+          <p:cNvPr id="3" name="Alcím 2"/>
+          <p:cNvSpPr>
+            <a:spLocks noGrp="1"/>
+          </p:cNvSpPr>
+          <p:nvPr>
+            <p:ph type="subTitle" idx="1"/>
+          </p:nvPr>
+        </p:nvSpPr>
+        <p:spPr>
+          <a:xfrm>
+            <a:off x="238898" y="858795"/>
+            <a:ext cx="3814688" cy="434696"/>
+          </a:xfrm>
+        </p:spPr>
+        <p:txBody>
+          <a:bodyPr>
+            <a:normAutofit/>
+          </a:bodyPr>
+          <a:lstStyle/>
+          <a:p>
+            <a:pPr algn="l"/>
+            <a:r>
+              <a:rPr lang="hu-HU" dirty="0" smtClean="0">
+                <a:latin typeface="+mj-lt"/>
+              </a:rPr>
+              <a:t>Bemutatkozás</a:t>
+            </a:r>
+            <a:endParaRPr lang="hu-HU" dirty="0">
+              <a:latin typeface="+mj-lt"/>
+            </a:endParaRPr>
+          </a:p>
+        </p:txBody>
+      </p:sp>
+      <p:sp>
+        <p:nvSpPr>
           <p:cNvPr id="7" name="Szövegdoboz 6"/>
           <p:cNvSpPr txBox="1"/>
           <p:nvPr/>
@@ -3229,7 +4483,7 @@
         <p:spPr>
           <a:xfrm>
             <a:off x="1" y="2091447"/>
-            <a:ext cx="6293796" cy="1569660"/>
+            <a:ext cx="5387183" cy="1569660"/>
           </a:xfrm>
           <a:prstGeom prst="rect">
             <a:avLst/>
@@ -3258,16 +4512,53 @@
           </a:p>
         </p:txBody>
       </p:sp>
+      <p:pic>
+        <p:nvPicPr>
+          <p:cNvPr id="5" name="Kép 4"/>
+          <p:cNvPicPr>
+            <a:picLocks noChangeAspect="1"/>
+          </p:cNvPicPr>
+          <p:nvPr/>
+        </p:nvPicPr>
+        <p:blipFill>
+          <a:blip r:embed="rId3">
+            <a:extLst>
+              <a:ext uri="{28A0092B-C50C-407E-A947-70E740481C1C}">
+                <a14:useLocalDpi xmlns:a14="http://schemas.microsoft.com/office/drawing/2010/main" val="0"/>
+              </a:ext>
+            </a:extLst>
+          </a:blip>
+          <a:stretch>
+            <a:fillRect/>
+          </a:stretch>
+        </p:blipFill>
+        <p:spPr>
+          <a:xfrm>
+            <a:off x="5473375" y="1539089"/>
+            <a:ext cx="2828653" cy="2787817"/>
+          </a:xfrm>
+          <a:prstGeom prst="rect">
+            <a:avLst/>
+          </a:prstGeom>
+        </p:spPr>
+      </p:pic>
     </p:spTree>
     <p:extLst>
       <p:ext uri="{BB962C8B-B14F-4D97-AF65-F5344CB8AC3E}">
-        <p14:creationId xmlns="" xmlns:p14="http://schemas.microsoft.com/office/powerpoint/2010/main" val="1869678207"/>
+        <p14:creationId xmlns:p14="http://schemas.microsoft.com/office/powerpoint/2010/main" val="1869678207"/>
       </p:ext>
     </p:extLst>
   </p:cSld>
   <p:clrMapOvr>
     <a:masterClrMapping/>
   </p:clrMapOvr>
+  <p:timing>
+    <p:tnLst>
+      <p:par>
+        <p:cTn id="1" dur="indefinite" restart="never" nodeType="tmRoot"/>
+      </p:par>
+    </p:tnLst>
+  </p:timing>
 </p:sld>
 </file>
 
@@ -3339,6 +4630,7 @@
           </a:bodyPr>
           <a:lstStyle/>
           <a:p>
+            <a:pPr algn="l"/>
             <a:r>
               <a:rPr lang="hu-HU" dirty="0" smtClean="0">
                 <a:latin typeface="+mj-lt"/>
@@ -3360,7 +4652,7 @@
           <p:nvPr/>
         </p:nvPicPr>
         <p:blipFill>
-          <a:blip r:embed="rId2">
+          <a:blip r:embed="rId3">
             <a:lum bright="10000"/>
           </a:blip>
           <a:stretch>
@@ -3429,13 +4721,8 @@
             </a:pPr>
             <a:r>
               <a:rPr lang="hu-HU" sz="2800" dirty="0" smtClean="0"/>
-              <a:t>Közös probléma </a:t>
-            </a:r>
-            <a:r>
-              <a:rPr lang="hu-HU" sz="2800" dirty="0" smtClean="0"/>
-              <a:t>megoldás</a:t>
-            </a:r>
-            <a:endParaRPr lang="hu-HU" sz="2800" dirty="0" smtClean="0"/>
+              <a:t>Közös probléma megoldás</a:t>
+            </a:r>
           </a:p>
           <a:p>
             <a:pPr marL="285750" indent="-285750">
@@ -3460,13 +4747,20 @@
     </p:spTree>
     <p:extLst>
       <p:ext uri="{BB962C8B-B14F-4D97-AF65-F5344CB8AC3E}">
-        <p14:creationId xmlns="" xmlns:p14="http://schemas.microsoft.com/office/powerpoint/2010/main" val="469962457"/>
+        <p14:creationId xmlns:p14="http://schemas.microsoft.com/office/powerpoint/2010/main" val="469962457"/>
       </p:ext>
     </p:extLst>
   </p:cSld>
   <p:clrMapOvr>
     <a:masterClrMapping/>
   </p:clrMapOvr>
+  <p:timing>
+    <p:tnLst>
+      <p:par>
+        <p:cTn id="1" dur="indefinite" restart="never" nodeType="tmRoot"/>
+      </p:par>
+    </p:tnLst>
+  </p:timing>
 </p:sld>
 </file>
 
@@ -3538,25 +4832,26 @@
           </a:bodyPr>
           <a:lstStyle/>
           <a:p>
+            <a:pPr algn="l"/>
             <a:r>
               <a:rPr lang="hu-HU" dirty="0">
                 <a:latin typeface="+mj-lt"/>
               </a:rPr>
-              <a:t>Legnagyobb nehézségeim</a:t>
-            </a:r>
-          </a:p>
-        </p:txBody>
-      </p:sp>
-      <p:sp>
-        <p:nvSpPr>
-          <p:cNvPr id="4" name="Szövegdoboz 3"/>
+              <a:t>Főbb feladataim</a:t>
+            </a:r>
+          </a:p>
+        </p:txBody>
+      </p:sp>
+      <p:sp>
+        <p:nvSpPr>
+          <p:cNvPr id="5" name="Szövegdoboz 4"/>
           <p:cNvSpPr txBox="1"/>
           <p:nvPr/>
         </p:nvSpPr>
         <p:spPr>
           <a:xfrm>
-            <a:off x="326528" y="1614791"/>
-            <a:ext cx="2595006" cy="954107"/>
+            <a:off x="754144" y="1752583"/>
+            <a:ext cx="2424895" cy="2246769"/>
           </a:xfrm>
           <a:prstGeom prst="rect">
             <a:avLst/>
@@ -3564,40 +4859,77 @@
           <a:noFill/>
         </p:spPr>
         <p:txBody>
-          <a:bodyPr wrap="square" rtlCol="0">
+          <a:bodyPr wrap="none" rtlCol="0">
             <a:spAutoFit/>
           </a:bodyPr>
           <a:lstStyle/>
           <a:p>
-            <a:pPr marL="285750" indent="-285750" algn="ctr">
+            <a:pPr marL="285750" indent="-285750">
               <a:buFont typeface="Arial" panose="020B0604020202020204" pitchFamily="34" charset="0"/>
               <a:buChar char="•"/>
             </a:pPr>
             <a:r>
               <a:rPr lang="hu-HU" sz="2800" dirty="0" smtClean="0"/>
-              <a:t>Teszt státusz probléma</a:t>
-            </a:r>
+              <a:t>Teszt kitöltés </a:t>
+            </a:r>
+            <a:endParaRPr lang="hu-HU" sz="2800" dirty="0"/>
+          </a:p>
+          <a:p>
+            <a:pPr marL="285750" indent="-285750">
+              <a:buFont typeface="Arial" panose="020B0604020202020204" pitchFamily="34" charset="0"/>
+              <a:buChar char="•"/>
+            </a:pPr>
+            <a:endParaRPr lang="hu-HU" sz="2800" dirty="0" smtClean="0"/>
+          </a:p>
+          <a:p>
+            <a:pPr marL="285750" indent="-285750">
+              <a:buFont typeface="Arial" panose="020B0604020202020204" pitchFamily="34" charset="0"/>
+              <a:buChar char="•"/>
+            </a:pPr>
+            <a:r>
+              <a:rPr lang="hu-HU" sz="2800" dirty="0" smtClean="0"/>
+              <a:t>Teszt státusz</a:t>
+            </a:r>
+            <a:endParaRPr lang="hu-HU" sz="2800" dirty="0"/>
+          </a:p>
+          <a:p>
+            <a:pPr marL="285750" indent="-285750">
+              <a:buFont typeface="Arial" panose="020B0604020202020204" pitchFamily="34" charset="0"/>
+              <a:buChar char="•"/>
+            </a:pPr>
+            <a:endParaRPr lang="hu-HU" sz="2800" dirty="0" smtClean="0"/>
+          </a:p>
+          <a:p>
+            <a:pPr marL="285750" indent="-285750">
+              <a:buFont typeface="Arial" panose="020B0604020202020204" pitchFamily="34" charset="0"/>
+              <a:buChar char="•"/>
+            </a:pPr>
+            <a:r>
+              <a:rPr lang="hu-HU" sz="2800" dirty="0" smtClean="0"/>
+              <a:t>I18n</a:t>
+            </a:r>
+            <a:endParaRPr lang="hu-HU" sz="1600" dirty="0" smtClean="0"/>
           </a:p>
         </p:txBody>
       </p:sp>
       <p:pic>
         <p:nvPicPr>
-          <p:cNvPr id="13" name="Kép 12" descr="tryout.png"/>
+          <p:cNvPr id="9" name="Kép 8" descr="tryout.png"/>
           <p:cNvPicPr>
             <a:picLocks noChangeAspect="1"/>
           </p:cNvPicPr>
           <p:nvPr/>
         </p:nvPicPr>
         <p:blipFill>
-          <a:blip r:embed="rId2"/>
+          <a:blip r:embed="rId3"/>
           <a:stretch>
             <a:fillRect/>
           </a:stretch>
         </p:blipFill>
         <p:spPr>
           <a:xfrm>
-            <a:off x="4574352" y="1604648"/>
-            <a:ext cx="4367081" cy="3114000"/>
+            <a:off x="4511694" y="1627103"/>
+            <a:ext cx="4366343" cy="3114000"/>
           </a:xfrm>
           <a:prstGeom prst="rect">
             <a:avLst/>
@@ -3607,13 +4939,20 @@
     </p:spTree>
     <p:extLst>
       <p:ext uri="{BB962C8B-B14F-4D97-AF65-F5344CB8AC3E}">
-        <p14:creationId xmlns="" xmlns:p14="http://schemas.microsoft.com/office/powerpoint/2010/main" val="3674905900"/>
+        <p14:creationId xmlns:p14="http://schemas.microsoft.com/office/powerpoint/2010/main" val="2635086324"/>
       </p:ext>
     </p:extLst>
   </p:cSld>
   <p:clrMapOvr>
     <a:masterClrMapping/>
   </p:clrMapOvr>
+  <p:timing>
+    <p:tnLst>
+      <p:par>
+        <p:cTn id="1" dur="indefinite" restart="never" nodeType="tmRoot"/>
+      </p:par>
+    </p:tnLst>
+  </p:timing>
 </p:sld>
 </file>
 
@@ -3685,12 +5024,14 @@
           </a:bodyPr>
           <a:lstStyle/>
           <a:p>
-            <a:r>
-              <a:rPr lang="hu-HU" dirty="0">
-                <a:latin typeface="+mj-lt"/>
-              </a:rPr>
-              <a:t>Legnagyobb nehézségeim</a:t>
-            </a:r>
+            <a:pPr algn="l"/>
+            <a:r>
+              <a:rPr lang="hu-HU" dirty="0"/>
+              <a:t>Kihívásaim</a:t>
+            </a:r>
+            <a:endParaRPr lang="hu-HU" dirty="0">
+              <a:latin typeface="+mj-lt"/>
+            </a:endParaRPr>
           </a:p>
         </p:txBody>
       </p:sp>
@@ -3736,7 +5077,7 @@
           <p:nvPr/>
         </p:nvPicPr>
         <p:blipFill>
-          <a:blip r:embed="rId2"/>
+          <a:blip r:embed="rId3"/>
           <a:stretch>
             <a:fillRect/>
           </a:stretch>
@@ -3751,16 +5092,53 @@
           </a:prstGeom>
         </p:spPr>
       </p:pic>
+      <p:pic>
+        <p:nvPicPr>
+          <p:cNvPr id="5" name="Kép 4"/>
+          <p:cNvPicPr>
+            <a:picLocks noChangeAspect="1"/>
+          </p:cNvPicPr>
+          <p:nvPr/>
+        </p:nvPicPr>
+        <p:blipFill>
+          <a:blip r:embed="rId4">
+            <a:extLst>
+              <a:ext uri="{28A0092B-C50C-407E-A947-70E740481C1C}">
+                <a14:useLocalDpi xmlns:a14="http://schemas.microsoft.com/office/drawing/2010/main" val="0"/>
+              </a:ext>
+            </a:extLst>
+          </a:blip>
+          <a:stretch>
+            <a:fillRect/>
+          </a:stretch>
+        </p:blipFill>
+        <p:spPr>
+          <a:xfrm>
+            <a:off x="4536437" y="1652549"/>
+            <a:ext cx="4344006" cy="3115110"/>
+          </a:xfrm>
+          <a:prstGeom prst="rect">
+            <a:avLst/>
+          </a:prstGeom>
+        </p:spPr>
+      </p:pic>
     </p:spTree>
     <p:extLst>
       <p:ext uri="{BB962C8B-B14F-4D97-AF65-F5344CB8AC3E}">
-        <p14:creationId xmlns="" xmlns:p14="http://schemas.microsoft.com/office/powerpoint/2010/main" val="3674905900"/>
+        <p14:creationId xmlns:p14="http://schemas.microsoft.com/office/powerpoint/2010/main" val="3674905900"/>
       </p:ext>
     </p:extLst>
   </p:cSld>
   <p:clrMapOvr>
     <a:masterClrMapping/>
   </p:clrMapOvr>
+  <p:timing>
+    <p:tnLst>
+      <p:par>
+        <p:cTn id="1" dur="indefinite" restart="never" nodeType="tmRoot"/>
+      </p:par>
+    </p:tnLst>
+  </p:timing>
 </p:sld>
 </file>
 
@@ -3832,25 +5210,27 @@
           </a:bodyPr>
           <a:lstStyle/>
           <a:p>
-            <a:r>
-              <a:rPr lang="hu-HU" dirty="0">
-                <a:latin typeface="+mj-lt"/>
-              </a:rPr>
-              <a:t>Főbb feladataim</a:t>
-            </a:r>
-          </a:p>
-        </p:txBody>
-      </p:sp>
-      <p:sp>
-        <p:nvSpPr>
-          <p:cNvPr id="5" name="Szövegdoboz 4"/>
+            <a:pPr algn="l"/>
+            <a:r>
+              <a:rPr lang="hu-HU" dirty="0"/>
+              <a:t>Kihívásaim</a:t>
+            </a:r>
+            <a:endParaRPr lang="hu-HU" b="1" dirty="0">
+              <a:latin typeface="+mj-lt"/>
+            </a:endParaRPr>
+          </a:p>
+        </p:txBody>
+      </p:sp>
+      <p:sp>
+        <p:nvSpPr>
+          <p:cNvPr id="4" name="Szövegdoboz 3"/>
           <p:cNvSpPr txBox="1"/>
           <p:nvPr/>
         </p:nvSpPr>
         <p:spPr>
           <a:xfrm>
-            <a:off x="754144" y="1752583"/>
-            <a:ext cx="3131306" cy="2246769"/>
+            <a:off x="326528" y="1614791"/>
+            <a:ext cx="2595006" cy="954107"/>
           </a:xfrm>
           <a:prstGeom prst="rect">
             <a:avLst/>
@@ -3858,97 +5238,40 @@
           <a:noFill/>
         </p:spPr>
         <p:txBody>
-          <a:bodyPr wrap="none" rtlCol="0">
+          <a:bodyPr wrap="square" rtlCol="0">
             <a:spAutoFit/>
           </a:bodyPr>
           <a:lstStyle/>
           <a:p>
-            <a:pPr marL="285750" indent="-285750">
+            <a:pPr marL="285750" indent="-285750" algn="ctr">
               <a:buFont typeface="Arial" panose="020B0604020202020204" pitchFamily="34" charset="0"/>
               <a:buChar char="•"/>
             </a:pPr>
             <a:r>
               <a:rPr lang="hu-HU" sz="2800" dirty="0" smtClean="0"/>
-              <a:t>Teszt kitöltés </a:t>
-            </a:r>
-            <a:endParaRPr lang="hu-HU" sz="2800" dirty="0"/>
-          </a:p>
-          <a:p>
-            <a:pPr marL="285750" indent="-285750">
-              <a:buFont typeface="Arial" panose="020B0604020202020204" pitchFamily="34" charset="0"/>
-              <a:buChar char="•"/>
-            </a:pPr>
-            <a:endParaRPr lang="hu-HU" sz="2800" dirty="0" smtClean="0"/>
-          </a:p>
-          <a:p>
-            <a:pPr marL="285750" indent="-285750">
-              <a:buFont typeface="Arial" panose="020B0604020202020204" pitchFamily="34" charset="0"/>
-              <a:buChar char="•"/>
-            </a:pPr>
-            <a:r>
-              <a:rPr lang="hu-HU" sz="2800" dirty="0" smtClean="0"/>
-              <a:t>Teszt státusz</a:t>
-            </a:r>
-            <a:endParaRPr lang="hu-HU" sz="2800" dirty="0"/>
-          </a:p>
-          <a:p>
-            <a:pPr marL="285750" indent="-285750">
-              <a:buFont typeface="Arial" panose="020B0604020202020204" pitchFamily="34" charset="0"/>
-              <a:buChar char="•"/>
-            </a:pPr>
-            <a:endParaRPr lang="hu-HU" sz="2800" dirty="0" smtClean="0"/>
-          </a:p>
-          <a:p>
-            <a:pPr marL="285750" indent="-285750">
-              <a:buFont typeface="Arial" panose="020B0604020202020204" pitchFamily="34" charset="0"/>
-              <a:buChar char="•"/>
-            </a:pPr>
-            <a:r>
-              <a:rPr lang="hu-HU" sz="2800" dirty="0" smtClean="0"/>
-              <a:t>I18n </a:t>
-            </a:r>
-            <a:r>
-              <a:rPr lang="hu-HU" sz="1600" dirty="0" smtClean="0"/>
-              <a:t>(</a:t>
-            </a:r>
-            <a:r>
-              <a:rPr lang="hu-HU" sz="1600" dirty="0" err="1" smtClean="0"/>
-              <a:t>woodcutter</a:t>
-            </a:r>
-            <a:r>
-              <a:rPr lang="hu-HU" sz="1600" dirty="0" smtClean="0"/>
-              <a:t> </a:t>
-            </a:r>
-            <a:r>
-              <a:rPr lang="hu-HU" sz="1600" dirty="0" err="1" smtClean="0"/>
-              <a:t>simulator</a:t>
-            </a:r>
-            <a:r>
-              <a:rPr lang="hu-HU" sz="1600" dirty="0" smtClean="0"/>
-              <a:t>)</a:t>
-            </a:r>
-            <a:endParaRPr lang="hu-HU" sz="1600" dirty="0" smtClean="0"/>
+              <a:t>Teszt státusz probléma</a:t>
+            </a:r>
           </a:p>
         </p:txBody>
       </p:sp>
       <p:pic>
         <p:nvPicPr>
-          <p:cNvPr id="9" name="Kép 8" descr="tryout.png"/>
+          <p:cNvPr id="13" name="Kép 12" descr="tryout.png"/>
           <p:cNvPicPr>
             <a:picLocks noChangeAspect="1"/>
           </p:cNvPicPr>
           <p:nvPr/>
         </p:nvPicPr>
         <p:blipFill>
-          <a:blip r:embed="rId2"/>
+          <a:blip r:embed="rId3"/>
           <a:stretch>
             <a:fillRect/>
           </a:stretch>
         </p:blipFill>
         <p:spPr>
           <a:xfrm>
-            <a:off x="4511694" y="1627103"/>
-            <a:ext cx="4366343" cy="3114000"/>
+            <a:off x="4574352" y="1604648"/>
+            <a:ext cx="4367081" cy="3114000"/>
           </a:xfrm>
           <a:prstGeom prst="rect">
             <a:avLst/>
@@ -3958,13 +5281,20 @@
     </p:spTree>
     <p:extLst>
       <p:ext uri="{BB962C8B-B14F-4D97-AF65-F5344CB8AC3E}">
-        <p14:creationId xmlns="" xmlns:p14="http://schemas.microsoft.com/office/powerpoint/2010/main" val="2635086324"/>
+        <p14:creationId xmlns:p14="http://schemas.microsoft.com/office/powerpoint/2010/main" val="3674905900"/>
       </p:ext>
     </p:extLst>
   </p:cSld>
   <p:clrMapOvr>
     <a:masterClrMapping/>
   </p:clrMapOvr>
+  <p:timing>
+    <p:tnLst>
+      <p:par>
+        <p:cTn id="1" dur="indefinite" restart="never" nodeType="tmRoot"/>
+      </p:par>
+    </p:tnLst>
+  </p:timing>
 </p:sld>
 </file>
 
@@ -4026,8 +5356,8 @@
         </p:nvSpPr>
         <p:spPr>
           <a:xfrm>
-            <a:off x="238898" y="858795"/>
-            <a:ext cx="3814688" cy="434696"/>
+            <a:off x="238897" y="858795"/>
+            <a:ext cx="4656659" cy="434696"/>
           </a:xfrm>
         </p:spPr>
         <p:txBody>
@@ -4036,12 +5366,22 @@
           </a:bodyPr>
           <a:lstStyle/>
           <a:p>
+            <a:pPr algn="l"/>
             <a:r>
               <a:rPr lang="hu-HU" dirty="0">
                 <a:latin typeface="+mj-lt"/>
               </a:rPr>
-              <a:t>Amit a képzés adott</a:t>
-            </a:r>
+              <a:t>Amit a képzés </a:t>
+            </a:r>
+            <a:r>
+              <a:rPr lang="hu-HU" dirty="0" smtClean="0">
+                <a:latin typeface="+mj-lt"/>
+              </a:rPr>
+              <a:t>adott számomra</a:t>
+            </a:r>
+            <a:endParaRPr lang="hu-HU" dirty="0">
+              <a:latin typeface="+mj-lt"/>
+            </a:endParaRPr>
           </a:p>
         </p:txBody>
       </p:sp>
@@ -4072,8 +5412,8 @@
               <a:buChar char="•"/>
             </a:pPr>
             <a:r>
-              <a:rPr lang="hu-HU" sz="2800" dirty="0" smtClean="0"/>
-              <a:t>Junior szintű tudás </a:t>
+              <a:rPr lang="hu-HU" sz="2800" dirty="0"/>
+              <a:t>Csapatmunka</a:t>
             </a:r>
           </a:p>
           <a:p>
@@ -4090,14 +5430,14 @@
             </a:pPr>
             <a:r>
               <a:rPr lang="hu-HU" sz="2800" dirty="0" smtClean="0"/>
-              <a:t>Csapatmunka </a:t>
-            </a:r>
-          </a:p>
-          <a:p>
-            <a:pPr marL="285750" indent="-285750">
-              <a:buFont typeface="Arial" panose="020B0604020202020204" pitchFamily="34" charset="0"/>
-              <a:buChar char="•"/>
-            </a:pPr>
+              <a:t>Junior </a:t>
+            </a:r>
+            <a:r>
+              <a:rPr lang="hu-HU" sz="2800" dirty="0" smtClean="0"/>
+              <a:t>szintű tudás </a:t>
+            </a:r>
+          </a:p>
+          <a:p>
             <a:endParaRPr lang="hu-HU" sz="2800" dirty="0" smtClean="0"/>
           </a:p>
           <a:p>
@@ -4129,13 +5469,20 @@
     </p:spTree>
     <p:extLst>
       <p:ext uri="{BB962C8B-B14F-4D97-AF65-F5344CB8AC3E}">
-        <p14:creationId xmlns="" xmlns:p14="http://schemas.microsoft.com/office/powerpoint/2010/main" val="990273616"/>
+        <p14:creationId xmlns:p14="http://schemas.microsoft.com/office/powerpoint/2010/main" val="990273616"/>
       </p:ext>
     </p:extLst>
   </p:cSld>
   <p:clrMapOvr>
     <a:masterClrMapping/>
   </p:clrMapOvr>
+  <p:timing>
+    <p:tnLst>
+      <p:par>
+        <p:cTn id="1" dur="indefinite" restart="never" nodeType="tmRoot"/>
+      </p:par>
+    </p:tnLst>
+  </p:timing>
 </p:sld>
 </file>
 
@@ -4412,13 +5759,20 @@
     </p:spTree>
     <p:extLst>
       <p:ext uri="{BB962C8B-B14F-4D97-AF65-F5344CB8AC3E}">
-        <p14:creationId xmlns="" xmlns:p14="http://schemas.microsoft.com/office/powerpoint/2010/main" val="3541323241"/>
+        <p14:creationId xmlns:p14="http://schemas.microsoft.com/office/powerpoint/2010/main" val="3541323241"/>
       </p:ext>
     </p:extLst>
   </p:cSld>
   <p:clrMapOvr>
     <a:masterClrMapping/>
   </p:clrMapOvr>
+  <p:timing>
+    <p:tnLst>
+      <p:par>
+        <p:cTn id="1" dur="indefinite" restart="never" nodeType="tmRoot"/>
+      </p:par>
+    </p:tnLst>
+  </p:timing>
 </p:sld>
 </file>
 
@@ -4677,7 +6031,268 @@
   <a:extraClrSchemeLst/>
   <a:extLst>
     <a:ext uri="{05A4C25C-085E-4340-85A3-A5531E510DB2}">
-      <thm15:themeFamily xmlns="" xmlns:thm15="http://schemas.microsoft.com/office/thememl/2012/main" name="Office Theme" id="{62F939B6-93AF-4DB8-9C6B-D6C7DFDC589F}" vid="{4A3C46E8-61CC-4603-A589-7422A47A8E4A}"/>
+      <thm15:themeFamily xmlns:thm15="http://schemas.microsoft.com/office/thememl/2012/main" name="Office Theme" id="{62F939B6-93AF-4DB8-9C6B-D6C7DFDC589F}" vid="{4A3C46E8-61CC-4603-A589-7422A47A8E4A}"/>
+    </a:ext>
+  </a:extLst>
+</a:theme>
+</file>
+
+<file path=ppt/theme/theme2.xml><?xml version="1.0" encoding="utf-8"?>
+<a:theme xmlns:a="http://schemas.openxmlformats.org/drawingml/2006/main" name="Office-téma">
+  <a:themeElements>
+    <a:clrScheme name="Office">
+      <a:dk1>
+        <a:sysClr val="windowText" lastClr="000000"/>
+      </a:dk1>
+      <a:lt1>
+        <a:sysClr val="window" lastClr="FFFFFF"/>
+      </a:lt1>
+      <a:dk2>
+        <a:srgbClr val="44546A"/>
+      </a:dk2>
+      <a:lt2>
+        <a:srgbClr val="E7E6E6"/>
+      </a:lt2>
+      <a:accent1>
+        <a:srgbClr val="5B9BD5"/>
+      </a:accent1>
+      <a:accent2>
+        <a:srgbClr val="ED7D31"/>
+      </a:accent2>
+      <a:accent3>
+        <a:srgbClr val="A5A5A5"/>
+      </a:accent3>
+      <a:accent4>
+        <a:srgbClr val="FFC000"/>
+      </a:accent4>
+      <a:accent5>
+        <a:srgbClr val="4472C4"/>
+      </a:accent5>
+      <a:accent6>
+        <a:srgbClr val="70AD47"/>
+      </a:accent6>
+      <a:hlink>
+        <a:srgbClr val="0563C1"/>
+      </a:hlink>
+      <a:folHlink>
+        <a:srgbClr val="954F72"/>
+      </a:folHlink>
+    </a:clrScheme>
+    <a:fontScheme name="Office">
+      <a:majorFont>
+        <a:latin typeface="Calibri Light" panose="020F0302020204030204"/>
+        <a:ea typeface=""/>
+        <a:cs typeface=""/>
+        <a:font script="Jpan" typeface="游ゴシック Light"/>
+        <a:font script="Hang" typeface="맑은 고딕"/>
+        <a:font script="Hans" typeface="等线 Light"/>
+        <a:font script="Hant" typeface="新細明體"/>
+        <a:font script="Arab" typeface="Times New Roman"/>
+        <a:font script="Hebr" typeface="Times New Roman"/>
+        <a:font script="Thai" typeface="Angsana New"/>
+        <a:font script="Ethi" typeface="Nyala"/>
+        <a:font script="Beng" typeface="Vrinda"/>
+        <a:font script="Gujr" typeface="Shruti"/>
+        <a:font script="Khmr" typeface="MoolBoran"/>
+        <a:font script="Knda" typeface="Tunga"/>
+        <a:font script="Guru" typeface="Raavi"/>
+        <a:font script="Cans" typeface="Euphemia"/>
+        <a:font script="Cher" typeface="Plantagenet Cherokee"/>
+        <a:font script="Yiii" typeface="Microsoft Yi Baiti"/>
+        <a:font script="Tibt" typeface="Microsoft Himalaya"/>
+        <a:font script="Thaa" typeface="MV Boli"/>
+        <a:font script="Deva" typeface="Mangal"/>
+        <a:font script="Telu" typeface="Gautami"/>
+        <a:font script="Taml" typeface="Latha"/>
+        <a:font script="Syrc" typeface="Estrangelo Edessa"/>
+        <a:font script="Orya" typeface="Kalinga"/>
+        <a:font script="Mlym" typeface="Kartika"/>
+        <a:font script="Laoo" typeface="DokChampa"/>
+        <a:font script="Sinh" typeface="Iskoola Pota"/>
+        <a:font script="Mong" typeface="Mongolian Baiti"/>
+        <a:font script="Viet" typeface="Times New Roman"/>
+        <a:font script="Uigh" typeface="Microsoft Uighur"/>
+        <a:font script="Geor" typeface="Sylfaen"/>
+      </a:majorFont>
+      <a:minorFont>
+        <a:latin typeface="Calibri" panose="020F0502020204030204"/>
+        <a:ea typeface=""/>
+        <a:cs typeface=""/>
+        <a:font script="Jpan" typeface="游ゴシック"/>
+        <a:font script="Hang" typeface="맑은 고딕"/>
+        <a:font script="Hans" typeface="等线"/>
+        <a:font script="Hant" typeface="新細明體"/>
+        <a:font script="Arab" typeface="Arial"/>
+        <a:font script="Hebr" typeface="Arial"/>
+        <a:font script="Thai" typeface="Cordia New"/>
+        <a:font script="Ethi" typeface="Nyala"/>
+        <a:font script="Beng" typeface="Vrinda"/>
+        <a:font script="Gujr" typeface="Shruti"/>
+        <a:font script="Khmr" typeface="DaunPenh"/>
+        <a:font script="Knda" typeface="Tunga"/>
+        <a:font script="Guru" typeface="Raavi"/>
+        <a:font script="Cans" typeface="Euphemia"/>
+        <a:font script="Cher" typeface="Plantagenet Cherokee"/>
+        <a:font script="Yiii" typeface="Microsoft Yi Baiti"/>
+        <a:font script="Tibt" typeface="Microsoft Himalaya"/>
+        <a:font script="Thaa" typeface="MV Boli"/>
+        <a:font script="Deva" typeface="Mangal"/>
+        <a:font script="Telu" typeface="Gautami"/>
+        <a:font script="Taml" typeface="Latha"/>
+        <a:font script="Syrc" typeface="Estrangelo Edessa"/>
+        <a:font script="Orya" typeface="Kalinga"/>
+        <a:font script="Mlym" typeface="Kartika"/>
+        <a:font script="Laoo" typeface="DokChampa"/>
+        <a:font script="Sinh" typeface="Iskoola Pota"/>
+        <a:font script="Mong" typeface="Mongolian Baiti"/>
+        <a:font script="Viet" typeface="Arial"/>
+        <a:font script="Uigh" typeface="Microsoft Uighur"/>
+        <a:font script="Geor" typeface="Sylfaen"/>
+      </a:minorFont>
+    </a:fontScheme>
+    <a:fmtScheme name="Office">
+      <a:fillStyleLst>
+        <a:solidFill>
+          <a:schemeClr val="phClr"/>
+        </a:solidFill>
+        <a:gradFill rotWithShape="1">
+          <a:gsLst>
+            <a:gs pos="0">
+              <a:schemeClr val="phClr">
+                <a:lumMod val="110000"/>
+                <a:satMod val="105000"/>
+                <a:tint val="67000"/>
+              </a:schemeClr>
+            </a:gs>
+            <a:gs pos="50000">
+              <a:schemeClr val="phClr">
+                <a:lumMod val="105000"/>
+                <a:satMod val="103000"/>
+                <a:tint val="73000"/>
+              </a:schemeClr>
+            </a:gs>
+            <a:gs pos="100000">
+              <a:schemeClr val="phClr">
+                <a:lumMod val="105000"/>
+                <a:satMod val="109000"/>
+                <a:tint val="81000"/>
+              </a:schemeClr>
+            </a:gs>
+          </a:gsLst>
+          <a:lin ang="5400000" scaled="0"/>
+        </a:gradFill>
+        <a:gradFill rotWithShape="1">
+          <a:gsLst>
+            <a:gs pos="0">
+              <a:schemeClr val="phClr">
+                <a:satMod val="103000"/>
+                <a:lumMod val="102000"/>
+                <a:tint val="94000"/>
+              </a:schemeClr>
+            </a:gs>
+            <a:gs pos="50000">
+              <a:schemeClr val="phClr">
+                <a:satMod val="110000"/>
+                <a:lumMod val="100000"/>
+                <a:shade val="100000"/>
+              </a:schemeClr>
+            </a:gs>
+            <a:gs pos="100000">
+              <a:schemeClr val="phClr">
+                <a:lumMod val="99000"/>
+                <a:satMod val="120000"/>
+                <a:shade val="78000"/>
+              </a:schemeClr>
+            </a:gs>
+          </a:gsLst>
+          <a:lin ang="5400000" scaled="0"/>
+        </a:gradFill>
+      </a:fillStyleLst>
+      <a:lnStyleLst>
+        <a:ln w="6350" cap="flat" cmpd="sng" algn="ctr">
+          <a:solidFill>
+            <a:schemeClr val="phClr"/>
+          </a:solidFill>
+          <a:prstDash val="solid"/>
+          <a:miter lim="800000"/>
+        </a:ln>
+        <a:ln w="12700" cap="flat" cmpd="sng" algn="ctr">
+          <a:solidFill>
+            <a:schemeClr val="phClr"/>
+          </a:solidFill>
+          <a:prstDash val="solid"/>
+          <a:miter lim="800000"/>
+        </a:ln>
+        <a:ln w="19050" cap="flat" cmpd="sng" algn="ctr">
+          <a:solidFill>
+            <a:schemeClr val="phClr"/>
+          </a:solidFill>
+          <a:prstDash val="solid"/>
+          <a:miter lim="800000"/>
+        </a:ln>
+      </a:lnStyleLst>
+      <a:effectStyleLst>
+        <a:effectStyle>
+          <a:effectLst/>
+        </a:effectStyle>
+        <a:effectStyle>
+          <a:effectLst/>
+        </a:effectStyle>
+        <a:effectStyle>
+          <a:effectLst>
+            <a:outerShdw blurRad="57150" dist="19050" dir="5400000" algn="ctr" rotWithShape="0">
+              <a:srgbClr val="000000">
+                <a:alpha val="63000"/>
+              </a:srgbClr>
+            </a:outerShdw>
+          </a:effectLst>
+        </a:effectStyle>
+      </a:effectStyleLst>
+      <a:bgFillStyleLst>
+        <a:solidFill>
+          <a:schemeClr val="phClr"/>
+        </a:solidFill>
+        <a:solidFill>
+          <a:schemeClr val="phClr">
+            <a:tint val="95000"/>
+            <a:satMod val="170000"/>
+          </a:schemeClr>
+        </a:solidFill>
+        <a:gradFill rotWithShape="1">
+          <a:gsLst>
+            <a:gs pos="0">
+              <a:schemeClr val="phClr">
+                <a:tint val="93000"/>
+                <a:satMod val="150000"/>
+                <a:shade val="98000"/>
+                <a:lumMod val="102000"/>
+              </a:schemeClr>
+            </a:gs>
+            <a:gs pos="50000">
+              <a:schemeClr val="phClr">
+                <a:tint val="98000"/>
+                <a:satMod val="130000"/>
+                <a:shade val="90000"/>
+                <a:lumMod val="103000"/>
+              </a:schemeClr>
+            </a:gs>
+            <a:gs pos="100000">
+              <a:schemeClr val="phClr">
+                <a:shade val="63000"/>
+                <a:satMod val="120000"/>
+              </a:schemeClr>
+            </a:gs>
+          </a:gsLst>
+          <a:lin ang="5400000" scaled="0"/>
+        </a:gradFill>
+      </a:bgFillStyleLst>
+    </a:fmtScheme>
+  </a:themeElements>
+  <a:objectDefaults/>
+  <a:extraClrSchemeLst/>
+  <a:extLst>
+    <a:ext uri="{05A4C25C-085E-4340-85A3-A5531E510DB2}">
+      <thm15:themeFamily xmlns:thm15="http://schemas.microsoft.com/office/thememl/2012/main" name="Office Theme" id="{62F939B6-93AF-4DB8-9C6B-D6C7DFDC589F}" vid="{4A3C46E8-61CC-4603-A589-7422A47A8E4A}"/>
     </a:ext>
   </a:extLst>
 </a:theme>

--- a/krisztianerdei/erdeiKrisztián 0.01.pptx
+++ b/krisztianerdei/erdeiKrisztián 0.01.pptx
@@ -116,7 +116,7 @@
   </p:defaultTextStyle>
   <p:extLst>
     <p:ext uri="{EFAFB233-063F-42B5-8137-9DF3F51BA10A}">
-      <p15:sldGuideLst xmlns:p15="http://schemas.microsoft.com/office/powerpoint/2012/main">
+      <p15:sldGuideLst xmlns:p15="http://schemas.microsoft.com/office/powerpoint/2012/main" xmlns="">
         <p15:guide id="1" orient="horz" pos="1620">
           <p15:clr>
             <a:srgbClr val="A4A3A4"/>
@@ -215,7 +215,8 @@
           <a:p>
             <a:fld id="{A52E46BD-B5F1-427D-8E29-1252C689EDAF}" type="datetimeFigureOut">
               <a:rPr lang="hu-HU" smtClean="0"/>
-              <a:t>2016.05.19.</a:t>
+              <a:pPr/>
+              <a:t>2016.05.23.</a:t>
             </a:fld>
             <a:endParaRPr lang="hu-HU"/>
           </a:p>
@@ -374,6 +375,7 @@
           <a:p>
             <a:fld id="{C82E7805-5C84-4A96-8C5B-CCD43CD4F7A0}" type="slidenum">
               <a:rPr lang="hu-HU" smtClean="0"/>
+              <a:pPr/>
               <a:t>‹#›</a:t>
             </a:fld>
             <a:endParaRPr lang="hu-HU"/>
@@ -383,7 +385,7 @@
     </p:spTree>
     <p:extLst>
       <p:ext uri="{BB962C8B-B14F-4D97-AF65-F5344CB8AC3E}">
-        <p14:creationId xmlns:p14="http://schemas.microsoft.com/office/powerpoint/2010/main" val="3413204605"/>
+        <p14:creationId xmlns:p14="http://schemas.microsoft.com/office/powerpoint/2010/main" xmlns="" val="3413204605"/>
       </p:ext>
     </p:extLst>
   </p:cSld>
@@ -533,15 +535,23 @@
             </a:r>
             <a:r>
               <a:rPr lang="hu-HU" baseline="0" dirty="0" smtClean="0"/>
-              <a:t> minden tisztelt jelenlévőt, Erdei Krisztián vagyok a Debreceni egyetem programtervező informatikus szak-</a:t>
+              <a:t> </a:t>
+            </a:r>
+            <a:r>
+              <a:rPr lang="hu-HU" baseline="0" dirty="0" smtClean="0"/>
+              <a:t>minden tisztelt jelenlévőt, Erdei Krisztián vagyok a Debreceni egyetem programtervező informatikus </a:t>
             </a:r>
             <a:r>
               <a:rPr lang="hu-HU" baseline="0" dirty="0" err="1" smtClean="0"/>
-              <a:t>ának</a:t>
+              <a:t>szak-ának</a:t>
             </a:r>
             <a:r>
               <a:rPr lang="hu-HU" baseline="0" dirty="0" smtClean="0"/>
-              <a:t> aktív hallgatója én is mint az előttem szóló a teszt modul !keretein belül fejlesztetettem.!</a:t>
+              <a:t> aktív hallgatója én is mint az előttem szóló a teszt modul </a:t>
+            </a:r>
+            <a:r>
+              <a:rPr lang="hu-HU" baseline="0" dirty="0" smtClean="0"/>
+              <a:t>!keretein belül fejlesztetettem.!</a:t>
             </a:r>
             <a:endParaRPr lang="hu-HU" dirty="0"/>
           </a:p>
@@ -564,6 +574,7 @@
           <a:p>
             <a:fld id="{C82E7805-5C84-4A96-8C5B-CCD43CD4F7A0}" type="slidenum">
               <a:rPr lang="hu-HU" smtClean="0"/>
+              <a:pPr/>
               <a:t>2</a:t>
             </a:fld>
             <a:endParaRPr lang="hu-HU"/>
@@ -573,7 +584,7 @@
     </p:spTree>
     <p:extLst>
       <p:ext uri="{BB962C8B-B14F-4D97-AF65-F5344CB8AC3E}">
-        <p14:creationId xmlns:p14="http://schemas.microsoft.com/office/powerpoint/2010/main" val="3867908628"/>
+        <p14:creationId xmlns:p14="http://schemas.microsoft.com/office/powerpoint/2010/main" xmlns="" val="3867908628"/>
       </p:ext>
     </p:extLst>
   </p:cSld>
@@ -658,15 +669,7 @@
                   <a:srgbClr val="FF0000"/>
                 </a:solidFill>
               </a:rPr>
-              <a:t>lehetőséget adott arra hogy a projekt keretein belül csapatba dolgozzak. Szerencsésnek mondhatom magam hogy Gáborral és Attilával kerültem egy csapatba, úgy gondolom hogy könnyen alkalmazkodó típusúak vagyunk </a:t>
-            </a:r>
-            <a:r>
-              <a:rPr lang="hu-HU" baseline="0" dirty="0" err="1" smtClean="0">
-                <a:solidFill>
-                  <a:srgbClr val="FF0000"/>
-                </a:solidFill>
-              </a:rPr>
-              <a:t>ahoz</a:t>
+              <a:t>lehetőséget adott arra hogy a projekt keretein belül csapatba dolgozzak. Szerencsésnek mondhatom magam hogy Gáborral és Attilával kerültem egy csapatba, úgy gondolom hogy könnyen alkalmazkodó </a:t>
             </a:r>
             <a:r>
               <a:rPr lang="hu-HU" baseline="0" dirty="0" smtClean="0">
@@ -674,7 +677,31 @@
                   <a:srgbClr val="FF0000"/>
                 </a:solidFill>
               </a:rPr>
-              <a:t> hogy egy csapatban közösen dolgozzunk. Nagyban befolyásolta a munkamorált az hogy Farkas László már a legelején összekovácsolta a csapatot, így később gördülékenyebben tudtuk végezni a feladatainkat. Fontosnak tartom azt is hogy a munka során feszültség mentes legyen a kommunikáció a társaim között. Ezzel a projektmunka során nem is volt probléma így az egymástól függő feladatokat összehangoltan tudtuk kivitelezni.</a:t>
+              <a:t>típusúak így már a projekt elején is hatékonyan tudtunk dolgozni közösen . </a:t>
+            </a:r>
+            <a:r>
+              <a:rPr lang="hu-HU" baseline="0" dirty="0" smtClean="0">
+                <a:solidFill>
+                  <a:srgbClr val="FF0000"/>
+                </a:solidFill>
+              </a:rPr>
+              <a:t>Nagyban befolyásolta a munkamorált az hogy Farkas László már a legelején összekovácsolta a csapatot, így később gördülékenyebben tudtuk végezni a feladatainkat. Fontosnak tartom azt is hogy a munka során feszültség mentes legyen a kommunikáció a </a:t>
+            </a:r>
+            <a:r>
+              <a:rPr lang="hu-HU" baseline="0" dirty="0" smtClean="0">
+                <a:solidFill>
+                  <a:srgbClr val="FF0000"/>
+                </a:solidFill>
+              </a:rPr>
+              <a:t>társaim és köztem . </a:t>
+            </a:r>
+            <a:r>
+              <a:rPr lang="hu-HU" baseline="0" dirty="0" smtClean="0">
+                <a:solidFill>
+                  <a:srgbClr val="FF0000"/>
+                </a:solidFill>
+              </a:rPr>
+              <a:t>Ezzel a projektmunka során nem is volt probléma így az egymástól függő feladatokat összehangoltan tudtuk kivitelezni.</a:t>
             </a:r>
             <a:endParaRPr lang="hu-HU" dirty="0">
               <a:solidFill>
@@ -701,6 +728,7 @@
           <a:p>
             <a:fld id="{C82E7805-5C84-4A96-8C5B-CCD43CD4F7A0}" type="slidenum">
               <a:rPr lang="hu-HU" smtClean="0"/>
+              <a:pPr/>
               <a:t>3</a:t>
             </a:fld>
             <a:endParaRPr lang="hu-HU"/>
@@ -710,7 +738,7 @@
     </p:spTree>
     <p:extLst>
       <p:ext uri="{BB962C8B-B14F-4D97-AF65-F5344CB8AC3E}">
-        <p14:creationId xmlns:p14="http://schemas.microsoft.com/office/powerpoint/2010/main" val="2454170942"/>
+        <p14:creationId xmlns:p14="http://schemas.microsoft.com/office/powerpoint/2010/main" xmlns="" val="2454170942"/>
       </p:ext>
     </p:extLst>
   </p:cSld>
@@ -991,6 +1019,7 @@
           <a:p>
             <a:fld id="{C82E7805-5C84-4A96-8C5B-CCD43CD4F7A0}" type="slidenum">
               <a:rPr lang="hu-HU" smtClean="0"/>
+              <a:pPr/>
               <a:t>4</a:t>
             </a:fld>
             <a:endParaRPr lang="hu-HU"/>
@@ -1000,7 +1029,7 @@
     </p:spTree>
     <p:extLst>
       <p:ext uri="{BB962C8B-B14F-4D97-AF65-F5344CB8AC3E}">
-        <p14:creationId xmlns:p14="http://schemas.microsoft.com/office/powerpoint/2010/main" val="2742660981"/>
+        <p14:creationId xmlns:p14="http://schemas.microsoft.com/office/powerpoint/2010/main" xmlns="" val="2742660981"/>
       </p:ext>
     </p:extLst>
   </p:cSld>
@@ -1126,6 +1155,7 @@
           <a:p>
             <a:fld id="{C82E7805-5C84-4A96-8C5B-CCD43CD4F7A0}" type="slidenum">
               <a:rPr lang="hu-HU" smtClean="0"/>
+              <a:pPr/>
               <a:t>5</a:t>
             </a:fld>
             <a:endParaRPr lang="hu-HU"/>
@@ -1135,7 +1165,7 @@
     </p:spTree>
     <p:extLst>
       <p:ext uri="{BB962C8B-B14F-4D97-AF65-F5344CB8AC3E}">
-        <p14:creationId xmlns:p14="http://schemas.microsoft.com/office/powerpoint/2010/main" val="3278857874"/>
+        <p14:creationId xmlns:p14="http://schemas.microsoft.com/office/powerpoint/2010/main" xmlns="" val="3278857874"/>
       </p:ext>
     </p:extLst>
   </p:cSld>
@@ -1239,6 +1269,7 @@
           <a:p>
             <a:fld id="{C82E7805-5C84-4A96-8C5B-CCD43CD4F7A0}" type="slidenum">
               <a:rPr lang="hu-HU" smtClean="0"/>
+              <a:pPr/>
               <a:t>6</a:t>
             </a:fld>
             <a:endParaRPr lang="hu-HU"/>
@@ -1248,7 +1279,7 @@
     </p:spTree>
     <p:extLst>
       <p:ext uri="{BB962C8B-B14F-4D97-AF65-F5344CB8AC3E}">
-        <p14:creationId xmlns:p14="http://schemas.microsoft.com/office/powerpoint/2010/main" val="1310893805"/>
+        <p14:creationId xmlns:p14="http://schemas.microsoft.com/office/powerpoint/2010/main" xmlns="" val="1310893805"/>
       </p:ext>
     </p:extLst>
   </p:cSld>
@@ -1349,6 +1380,7 @@
           <a:p>
             <a:fld id="{C82E7805-5C84-4A96-8C5B-CCD43CD4F7A0}" type="slidenum">
               <a:rPr lang="hu-HU" smtClean="0"/>
+              <a:pPr/>
               <a:t>7</a:t>
             </a:fld>
             <a:endParaRPr lang="hu-HU"/>
@@ -1358,7 +1390,7 @@
     </p:spTree>
     <p:extLst>
       <p:ext uri="{BB962C8B-B14F-4D97-AF65-F5344CB8AC3E}">
-        <p14:creationId xmlns:p14="http://schemas.microsoft.com/office/powerpoint/2010/main" val="4157291961"/>
+        <p14:creationId xmlns:p14="http://schemas.microsoft.com/office/powerpoint/2010/main" xmlns="" val="4157291961"/>
       </p:ext>
     </p:extLst>
   </p:cSld>
@@ -1500,7 +1532,7 @@
             <a:fld id="{C6E8B002-83F0-41C5-A7B7-2819A96BD9B2}" type="datetimeFigureOut">
               <a:rPr lang="hu-HU" smtClean="0"/>
               <a:pPr/>
-              <a:t>2016.05.19.</a:t>
+              <a:t>2016.05.23.</a:t>
             </a:fld>
             <a:endParaRPr lang="hu-HU"/>
           </a:p>
@@ -1552,7 +1584,7 @@
     </p:spTree>
     <p:extLst>
       <p:ext uri="{BB962C8B-B14F-4D97-AF65-F5344CB8AC3E}">
-        <p14:creationId xmlns:p14="http://schemas.microsoft.com/office/powerpoint/2010/main" val="4024426608"/>
+        <p14:creationId xmlns:p14="http://schemas.microsoft.com/office/powerpoint/2010/main" xmlns="" val="4024426608"/>
       </p:ext>
     </p:extLst>
   </p:cSld>
@@ -1672,7 +1704,7 @@
             <a:fld id="{C6E8B002-83F0-41C5-A7B7-2819A96BD9B2}" type="datetimeFigureOut">
               <a:rPr lang="hu-HU" smtClean="0"/>
               <a:pPr/>
-              <a:t>2016.05.19.</a:t>
+              <a:t>2016.05.23.</a:t>
             </a:fld>
             <a:endParaRPr lang="hu-HU"/>
           </a:p>
@@ -1724,7 +1756,7 @@
     </p:spTree>
     <p:extLst>
       <p:ext uri="{BB962C8B-B14F-4D97-AF65-F5344CB8AC3E}">
-        <p14:creationId xmlns:p14="http://schemas.microsoft.com/office/powerpoint/2010/main" val="2278669477"/>
+        <p14:creationId xmlns:p14="http://schemas.microsoft.com/office/powerpoint/2010/main" xmlns="" val="2278669477"/>
       </p:ext>
     </p:extLst>
   </p:cSld>
@@ -1854,7 +1886,7 @@
             <a:fld id="{C6E8B002-83F0-41C5-A7B7-2819A96BD9B2}" type="datetimeFigureOut">
               <a:rPr lang="hu-HU" smtClean="0"/>
               <a:pPr/>
-              <a:t>2016.05.19.</a:t>
+              <a:t>2016.05.23.</a:t>
             </a:fld>
             <a:endParaRPr lang="hu-HU"/>
           </a:p>
@@ -1906,7 +1938,7 @@
     </p:spTree>
     <p:extLst>
       <p:ext uri="{BB962C8B-B14F-4D97-AF65-F5344CB8AC3E}">
-        <p14:creationId xmlns:p14="http://schemas.microsoft.com/office/powerpoint/2010/main" val="1230374094"/>
+        <p14:creationId xmlns:p14="http://schemas.microsoft.com/office/powerpoint/2010/main" xmlns="" val="1230374094"/>
       </p:ext>
     </p:extLst>
   </p:cSld>
@@ -2026,7 +2058,7 @@
             <a:fld id="{C6E8B002-83F0-41C5-A7B7-2819A96BD9B2}" type="datetimeFigureOut">
               <a:rPr lang="hu-HU" smtClean="0"/>
               <a:pPr/>
-              <a:t>2016.05.19.</a:t>
+              <a:t>2016.05.23.</a:t>
             </a:fld>
             <a:endParaRPr lang="hu-HU"/>
           </a:p>
@@ -2078,7 +2110,7 @@
     </p:spTree>
     <p:extLst>
       <p:ext uri="{BB962C8B-B14F-4D97-AF65-F5344CB8AC3E}">
-        <p14:creationId xmlns:p14="http://schemas.microsoft.com/office/powerpoint/2010/main" val="258263725"/>
+        <p14:creationId xmlns:p14="http://schemas.microsoft.com/office/powerpoint/2010/main" xmlns="" val="258263725"/>
       </p:ext>
     </p:extLst>
   </p:cSld>
@@ -2272,7 +2304,7 @@
             <a:fld id="{C6E8B002-83F0-41C5-A7B7-2819A96BD9B2}" type="datetimeFigureOut">
               <a:rPr lang="hu-HU" smtClean="0"/>
               <a:pPr/>
-              <a:t>2016.05.19.</a:t>
+              <a:t>2016.05.23.</a:t>
             </a:fld>
             <a:endParaRPr lang="hu-HU"/>
           </a:p>
@@ -2324,7 +2356,7 @@
     </p:spTree>
     <p:extLst>
       <p:ext uri="{BB962C8B-B14F-4D97-AF65-F5344CB8AC3E}">
-        <p14:creationId xmlns:p14="http://schemas.microsoft.com/office/powerpoint/2010/main" val="1553284866"/>
+        <p14:creationId xmlns:p14="http://schemas.microsoft.com/office/powerpoint/2010/main" xmlns="" val="1553284866"/>
       </p:ext>
     </p:extLst>
   </p:cSld>
@@ -2506,7 +2538,7 @@
             <a:fld id="{C6E8B002-83F0-41C5-A7B7-2819A96BD9B2}" type="datetimeFigureOut">
               <a:rPr lang="hu-HU" smtClean="0"/>
               <a:pPr/>
-              <a:t>2016.05.19.</a:t>
+              <a:t>2016.05.23.</a:t>
             </a:fld>
             <a:endParaRPr lang="hu-HU"/>
           </a:p>
@@ -2558,7 +2590,7 @@
     </p:spTree>
     <p:extLst>
       <p:ext uri="{BB962C8B-B14F-4D97-AF65-F5344CB8AC3E}">
-        <p14:creationId xmlns:p14="http://schemas.microsoft.com/office/powerpoint/2010/main" val="4154606885"/>
+        <p14:creationId xmlns:p14="http://schemas.microsoft.com/office/powerpoint/2010/main" xmlns="" val="4154606885"/>
       </p:ext>
     </p:extLst>
   </p:cSld>
@@ -2875,7 +2907,7 @@
             <a:fld id="{C6E8B002-83F0-41C5-A7B7-2819A96BD9B2}" type="datetimeFigureOut">
               <a:rPr lang="hu-HU" smtClean="0"/>
               <a:pPr/>
-              <a:t>2016.05.19.</a:t>
+              <a:t>2016.05.23.</a:t>
             </a:fld>
             <a:endParaRPr lang="hu-HU"/>
           </a:p>
@@ -2927,7 +2959,7 @@
     </p:spTree>
     <p:extLst>
       <p:ext uri="{BB962C8B-B14F-4D97-AF65-F5344CB8AC3E}">
-        <p14:creationId xmlns:p14="http://schemas.microsoft.com/office/powerpoint/2010/main" val="352643938"/>
+        <p14:creationId xmlns:p14="http://schemas.microsoft.com/office/powerpoint/2010/main" xmlns="" val="352643938"/>
       </p:ext>
     </p:extLst>
   </p:cSld>
@@ -2995,7 +3027,7 @@
             <a:fld id="{C6E8B002-83F0-41C5-A7B7-2819A96BD9B2}" type="datetimeFigureOut">
               <a:rPr lang="hu-HU" smtClean="0"/>
               <a:pPr/>
-              <a:t>2016.05.19.</a:t>
+              <a:t>2016.05.23.</a:t>
             </a:fld>
             <a:endParaRPr lang="hu-HU"/>
           </a:p>
@@ -3047,7 +3079,7 @@
     </p:spTree>
     <p:extLst>
       <p:ext uri="{BB962C8B-B14F-4D97-AF65-F5344CB8AC3E}">
-        <p14:creationId xmlns:p14="http://schemas.microsoft.com/office/powerpoint/2010/main" val="755990450"/>
+        <p14:creationId xmlns:p14="http://schemas.microsoft.com/office/powerpoint/2010/main" xmlns="" val="755990450"/>
       </p:ext>
     </p:extLst>
   </p:cSld>
@@ -3092,7 +3124,7 @@
             <a:fld id="{C6E8B002-83F0-41C5-A7B7-2819A96BD9B2}" type="datetimeFigureOut">
               <a:rPr lang="hu-HU" smtClean="0"/>
               <a:pPr/>
-              <a:t>2016.05.19.</a:t>
+              <a:t>2016.05.23.</a:t>
             </a:fld>
             <a:endParaRPr lang="hu-HU"/>
           </a:p>
@@ -3144,7 +3176,7 @@
     </p:spTree>
     <p:extLst>
       <p:ext uri="{BB962C8B-B14F-4D97-AF65-F5344CB8AC3E}">
-        <p14:creationId xmlns:p14="http://schemas.microsoft.com/office/powerpoint/2010/main" val="631435743"/>
+        <p14:creationId xmlns:p14="http://schemas.microsoft.com/office/powerpoint/2010/main" xmlns="" val="631435743"/>
       </p:ext>
     </p:extLst>
   </p:cSld>
@@ -3371,7 +3403,7 @@
             <a:fld id="{C6E8B002-83F0-41C5-A7B7-2819A96BD9B2}" type="datetimeFigureOut">
               <a:rPr lang="hu-HU" smtClean="0"/>
               <a:pPr/>
-              <a:t>2016.05.19.</a:t>
+              <a:t>2016.05.23.</a:t>
             </a:fld>
             <a:endParaRPr lang="hu-HU"/>
           </a:p>
@@ -3423,7 +3455,7 @@
     </p:spTree>
     <p:extLst>
       <p:ext uri="{BB962C8B-B14F-4D97-AF65-F5344CB8AC3E}">
-        <p14:creationId xmlns:p14="http://schemas.microsoft.com/office/powerpoint/2010/main" val="1098823887"/>
+        <p14:creationId xmlns:p14="http://schemas.microsoft.com/office/powerpoint/2010/main" xmlns="" val="1098823887"/>
       </p:ext>
     </p:extLst>
   </p:cSld>
@@ -3630,7 +3662,7 @@
             <a:fld id="{C6E8B002-83F0-41C5-A7B7-2819A96BD9B2}" type="datetimeFigureOut">
               <a:rPr lang="hu-HU" smtClean="0"/>
               <a:pPr/>
-              <a:t>2016.05.19.</a:t>
+              <a:t>2016.05.23.</a:t>
             </a:fld>
             <a:endParaRPr lang="hu-HU"/>
           </a:p>
@@ -3682,7 +3714,7 @@
     </p:spTree>
     <p:extLst>
       <p:ext uri="{BB962C8B-B14F-4D97-AF65-F5344CB8AC3E}">
-        <p14:creationId xmlns:p14="http://schemas.microsoft.com/office/powerpoint/2010/main" val="3373525127"/>
+        <p14:creationId xmlns:p14="http://schemas.microsoft.com/office/powerpoint/2010/main" xmlns="" val="3373525127"/>
       </p:ext>
     </p:extLst>
   </p:cSld>
@@ -3852,7 +3884,7 @@
             <a:fld id="{C6E8B002-83F0-41C5-A7B7-2819A96BD9B2}" type="datetimeFigureOut">
               <a:rPr lang="hu-HU" smtClean="0"/>
               <a:pPr/>
-              <a:t>2016.05.19.</a:t>
+              <a:t>2016.05.23.</a:t>
             </a:fld>
             <a:endParaRPr lang="hu-HU"/>
           </a:p>
@@ -3940,7 +3972,7 @@
     </p:spTree>
     <p:extLst>
       <p:ext uri="{BB962C8B-B14F-4D97-AF65-F5344CB8AC3E}">
-        <p14:creationId xmlns:p14="http://schemas.microsoft.com/office/powerpoint/2010/main" val="3779397563"/>
+        <p14:creationId xmlns:p14="http://schemas.microsoft.com/office/powerpoint/2010/main" xmlns="" val="3779397563"/>
       </p:ext>
     </p:extLst>
   </p:cSld>
@@ -4327,7 +4359,7 @@
     </p:spTree>
     <p:extLst>
       <p:ext uri="{BB962C8B-B14F-4D97-AF65-F5344CB8AC3E}">
-        <p14:creationId xmlns:p14="http://schemas.microsoft.com/office/powerpoint/2010/main" val="3145726277"/>
+        <p14:creationId xmlns:p14="http://schemas.microsoft.com/office/powerpoint/2010/main" xmlns="" val="3145726277"/>
       </p:ext>
     </p:extLst>
   </p:cSld>
@@ -4524,7 +4556,7 @@
           <a:blip r:embed="rId3">
             <a:extLst>
               <a:ext uri="{28A0092B-C50C-407E-A947-70E740481C1C}">
-                <a14:useLocalDpi xmlns:a14="http://schemas.microsoft.com/office/drawing/2010/main" val="0"/>
+                <a14:useLocalDpi xmlns:a14="http://schemas.microsoft.com/office/drawing/2010/main" xmlns="" val="0"/>
               </a:ext>
             </a:extLst>
           </a:blip>
@@ -4545,7 +4577,7 @@
     </p:spTree>
     <p:extLst>
       <p:ext uri="{BB962C8B-B14F-4D97-AF65-F5344CB8AC3E}">
-        <p14:creationId xmlns:p14="http://schemas.microsoft.com/office/powerpoint/2010/main" val="1869678207"/>
+        <p14:creationId xmlns:p14="http://schemas.microsoft.com/office/powerpoint/2010/main" xmlns="" val="1869678207"/>
       </p:ext>
     </p:extLst>
   </p:cSld>
@@ -4747,7 +4779,7 @@
     </p:spTree>
     <p:extLst>
       <p:ext uri="{BB962C8B-B14F-4D97-AF65-F5344CB8AC3E}">
-        <p14:creationId xmlns:p14="http://schemas.microsoft.com/office/powerpoint/2010/main" val="469962457"/>
+        <p14:creationId xmlns:p14="http://schemas.microsoft.com/office/powerpoint/2010/main" xmlns="" val="469962457"/>
       </p:ext>
     </p:extLst>
   </p:cSld>
@@ -4939,7 +4971,7 @@
     </p:spTree>
     <p:extLst>
       <p:ext uri="{BB962C8B-B14F-4D97-AF65-F5344CB8AC3E}">
-        <p14:creationId xmlns:p14="http://schemas.microsoft.com/office/powerpoint/2010/main" val="2635086324"/>
+        <p14:creationId xmlns:p14="http://schemas.microsoft.com/office/powerpoint/2010/main" xmlns="" val="2635086324"/>
       </p:ext>
     </p:extLst>
   </p:cSld>
@@ -5104,7 +5136,7 @@
           <a:blip r:embed="rId4">
             <a:extLst>
               <a:ext uri="{28A0092B-C50C-407E-A947-70E740481C1C}">
-                <a14:useLocalDpi xmlns:a14="http://schemas.microsoft.com/office/drawing/2010/main" val="0"/>
+                <a14:useLocalDpi xmlns:a14="http://schemas.microsoft.com/office/drawing/2010/main" xmlns="" val="0"/>
               </a:ext>
             </a:extLst>
           </a:blip>
@@ -5125,7 +5157,7 @@
     </p:spTree>
     <p:extLst>
       <p:ext uri="{BB962C8B-B14F-4D97-AF65-F5344CB8AC3E}">
-        <p14:creationId xmlns:p14="http://schemas.microsoft.com/office/powerpoint/2010/main" val="3674905900"/>
+        <p14:creationId xmlns:p14="http://schemas.microsoft.com/office/powerpoint/2010/main" xmlns="" val="3674905900"/>
       </p:ext>
     </p:extLst>
   </p:cSld>
@@ -5281,7 +5313,7 @@
     </p:spTree>
     <p:extLst>
       <p:ext uri="{BB962C8B-B14F-4D97-AF65-F5344CB8AC3E}">
-        <p14:creationId xmlns:p14="http://schemas.microsoft.com/office/powerpoint/2010/main" val="3674905900"/>
+        <p14:creationId xmlns:p14="http://schemas.microsoft.com/office/powerpoint/2010/main" xmlns="" val="3674905900"/>
       </p:ext>
     </p:extLst>
   </p:cSld>
@@ -5430,11 +5462,7 @@
             </a:pPr>
             <a:r>
               <a:rPr lang="hu-HU" sz="2800" dirty="0" smtClean="0"/>
-              <a:t>Junior </a:t>
-            </a:r>
-            <a:r>
-              <a:rPr lang="hu-HU" sz="2800" dirty="0" smtClean="0"/>
-              <a:t>szintű tudás </a:t>
+              <a:t>Junior szintű tudás </a:t>
             </a:r>
           </a:p>
           <a:p>
@@ -5469,7 +5497,7 @@
     </p:spTree>
     <p:extLst>
       <p:ext uri="{BB962C8B-B14F-4D97-AF65-F5344CB8AC3E}">
-        <p14:creationId xmlns:p14="http://schemas.microsoft.com/office/powerpoint/2010/main" val="990273616"/>
+        <p14:creationId xmlns:p14="http://schemas.microsoft.com/office/powerpoint/2010/main" xmlns="" val="990273616"/>
       </p:ext>
     </p:extLst>
   </p:cSld>
@@ -5759,7 +5787,7 @@
     </p:spTree>
     <p:extLst>
       <p:ext uri="{BB962C8B-B14F-4D97-AF65-F5344CB8AC3E}">
-        <p14:creationId xmlns:p14="http://schemas.microsoft.com/office/powerpoint/2010/main" val="3541323241"/>
+        <p14:creationId xmlns:p14="http://schemas.microsoft.com/office/powerpoint/2010/main" xmlns="" val="3541323241"/>
       </p:ext>
     </p:extLst>
   </p:cSld>
@@ -6031,7 +6059,7 @@
   <a:extraClrSchemeLst/>
   <a:extLst>
     <a:ext uri="{05A4C25C-085E-4340-85A3-A5531E510DB2}">
-      <thm15:themeFamily xmlns:thm15="http://schemas.microsoft.com/office/thememl/2012/main" name="Office Theme" id="{62F939B6-93AF-4DB8-9C6B-D6C7DFDC589F}" vid="{4A3C46E8-61CC-4603-A589-7422A47A8E4A}"/>
+      <thm15:themeFamily xmlns:thm15="http://schemas.microsoft.com/office/thememl/2012/main" xmlns="" name="Office Theme" id="{62F939B6-93AF-4DB8-9C6B-D6C7DFDC589F}" vid="{4A3C46E8-61CC-4603-A589-7422A47A8E4A}"/>
     </a:ext>
   </a:extLst>
 </a:theme>
@@ -6080,7 +6108,7 @@
     </a:clrScheme>
     <a:fontScheme name="Office">
       <a:majorFont>
-        <a:latin typeface="Calibri Light" panose="020F0302020204030204"/>
+        <a:latin typeface="Calibri Light"/>
         <a:ea typeface=""/>
         <a:cs typeface=""/>
         <a:font script="Jpan" typeface="游ゴシック Light"/>
@@ -6115,7 +6143,7 @@
         <a:font script="Geor" typeface="Sylfaen"/>
       </a:majorFont>
       <a:minorFont>
-        <a:latin typeface="Calibri" panose="020F0502020204030204"/>
+        <a:latin typeface="Calibri"/>
         <a:ea typeface=""/>
         <a:cs typeface=""/>
         <a:font script="Jpan" typeface="游ゴシック"/>
@@ -6292,7 +6320,7 @@
   <a:extraClrSchemeLst/>
   <a:extLst>
     <a:ext uri="{05A4C25C-085E-4340-85A3-A5531E510DB2}">
-      <thm15:themeFamily xmlns:thm15="http://schemas.microsoft.com/office/thememl/2012/main" name="Office Theme" id="{62F939B6-93AF-4DB8-9C6B-D6C7DFDC589F}" vid="{4A3C46E8-61CC-4603-A589-7422A47A8E4A}"/>
+      <thm15:themeFamily xmlns:thm15="http://schemas.microsoft.com/office/thememl/2012/main" xmlns="" name="Office Theme" id="{62F939B6-93AF-4DB8-9C6B-D6C7DFDC589F}" vid="{4A3C46E8-61CC-4603-A589-7422A47A8E4A}"/>
     </a:ext>
   </a:extLst>
 </a:theme>
